--- a/Proposal_Concise.pptx
+++ b/Proposal_Concise.pptx
@@ -203,7 +203,7 @@
           <a:p>
             <a:fld id="{165DDFF0-975E-4A92-891F-989DC9045C85}" type="datetimeFigureOut">
               <a:rPr lang="en-US" smtClean="0"/>
-              <a:t>9/14/13</a:t>
+              <a:t>9/14/2013</a:t>
             </a:fld>
             <a:endParaRPr lang="en-US" dirty="0"/>
           </a:p>
@@ -2117,7 +2117,7 @@
             <a:fld id="{8ACDB3CC-F982-40F9-8DD6-BCC9AFBF44BD}" type="datetime1">
               <a:rPr lang="en-US" smtClean="0"/>
               <a:pPr/>
-              <a:t>9/14/13</a:t>
+              <a:t>9/14/2013</a:t>
             </a:fld>
             <a:endParaRPr lang="en-US" dirty="0"/>
           </a:p>
@@ -3222,7 +3222,7 @@
           <a:p>
             <a:fld id="{E631EDC5-C1A1-7F47-A4AF-CDC7D9CFA916}" type="datetimeFigureOut">
               <a:rPr lang="en-US" smtClean="0"/>
-              <a:t>9/14/13</a:t>
+              <a:t>9/14/2013</a:t>
             </a:fld>
             <a:endParaRPr lang="en-US" dirty="0"/>
           </a:p>
@@ -4335,7 +4335,7 @@
           <a:p>
             <a:fld id="{E631EDC5-C1A1-7F47-A4AF-CDC7D9CFA916}" type="datetimeFigureOut">
               <a:rPr lang="en-US" smtClean="0"/>
-              <a:t>9/14/13</a:t>
+              <a:t>9/14/2013</a:t>
             </a:fld>
             <a:endParaRPr lang="en-US" dirty="0"/>
           </a:p>
@@ -5443,7 +5443,7 @@
           <a:p>
             <a:fld id="{E631EDC5-C1A1-7F47-A4AF-CDC7D9CFA916}" type="datetimeFigureOut">
               <a:rPr lang="en-US" smtClean="0"/>
-              <a:t>9/14/13</a:t>
+              <a:t>9/14/2013</a:t>
             </a:fld>
             <a:endParaRPr lang="en-US" dirty="0"/>
           </a:p>
@@ -7037,7 +7037,7 @@
             <a:fld id="{64DDAE5B-B07C-441A-8026-C23A427A74DC}" type="datetime1">
               <a:rPr lang="en-US" smtClean="0"/>
               <a:pPr/>
-              <a:t>9/14/13</a:t>
+              <a:t>9/14/2013</a:t>
             </a:fld>
             <a:endParaRPr lang="en-US" dirty="0"/>
           </a:p>
@@ -8096,7 +8096,7 @@
           <a:p>
             <a:fld id="{E631EDC5-C1A1-7F47-A4AF-CDC7D9CFA916}" type="datetimeFigureOut">
               <a:rPr lang="en-US" smtClean="0"/>
-              <a:t>9/14/13</a:t>
+              <a:t>9/14/2013</a:t>
             </a:fld>
             <a:endParaRPr lang="en-US" dirty="0"/>
           </a:p>
@@ -9423,7 +9423,7 @@
           <a:p>
             <a:fld id="{E631EDC5-C1A1-7F47-A4AF-CDC7D9CFA916}" type="datetimeFigureOut">
               <a:rPr lang="en-US" smtClean="0"/>
-              <a:t>9/14/13</a:t>
+              <a:t>9/14/2013</a:t>
             </a:fld>
             <a:endParaRPr lang="en-US" dirty="0"/>
           </a:p>
@@ -10560,7 +10560,7 @@
           <a:p>
             <a:fld id="{E631EDC5-C1A1-7F47-A4AF-CDC7D9CFA916}" type="datetimeFigureOut">
               <a:rPr lang="en-US" smtClean="0"/>
-              <a:t>9/14/13</a:t>
+              <a:t>9/14/2013</a:t>
             </a:fld>
             <a:endParaRPr lang="en-US" dirty="0"/>
           </a:p>
@@ -11616,7 +11616,7 @@
           <a:p>
             <a:fld id="{E631EDC5-C1A1-7F47-A4AF-CDC7D9CFA916}" type="datetimeFigureOut">
               <a:rPr lang="en-US" smtClean="0"/>
-              <a:t>9/14/13</a:t>
+              <a:t>9/14/2013</a:t>
             </a:fld>
             <a:endParaRPr lang="en-US" dirty="0"/>
           </a:p>
@@ -12654,7 +12654,7 @@
           <a:p>
             <a:fld id="{E631EDC5-C1A1-7F47-A4AF-CDC7D9CFA916}" type="datetimeFigureOut">
               <a:rPr lang="en-US" smtClean="0"/>
-              <a:t>9/14/13</a:t>
+              <a:t>9/14/2013</a:t>
             </a:fld>
             <a:endParaRPr lang="en-US" dirty="0"/>
           </a:p>
@@ -13890,7 +13890,7 @@
           <a:p>
             <a:fld id="{E631EDC5-C1A1-7F47-A4AF-CDC7D9CFA916}" type="datetimeFigureOut">
               <a:rPr lang="en-US" smtClean="0"/>
-              <a:t>9/14/13</a:t>
+              <a:t>9/14/2013</a:t>
             </a:fld>
             <a:endParaRPr lang="en-US" dirty="0"/>
           </a:p>
@@ -14243,7 +14243,7 @@
           <a:p>
             <a:fld id="{E631EDC5-C1A1-7F47-A4AF-CDC7D9CFA916}" type="datetimeFigureOut">
               <a:rPr lang="en-US" smtClean="0"/>
-              <a:t>9/14/13</a:t>
+              <a:t>9/14/2013</a:t>
             </a:fld>
             <a:endParaRPr lang="en-US" dirty="0"/>
           </a:p>
@@ -14836,15 +14836,7 @@
           <a:p>
             <a:r>
               <a:rPr lang="en-US" dirty="0" smtClean="0"/>
-              <a:t>Product </a:t>
-            </a:r>
-            <a:r>
-              <a:rPr lang="en-US" dirty="0" smtClean="0"/>
-              <a:t>features version </a:t>
-            </a:r>
-            <a:r>
-              <a:rPr lang="en-US" dirty="0" smtClean="0"/>
-              <a:t>2.0	</a:t>
+              <a:t>Product features version 2.0	</a:t>
             </a:r>
             <a:endParaRPr lang="en-US" dirty="0"/>
           </a:p>
@@ -14860,61 +14852,41 @@
             <p:ph idx="1"/>
           </p:nvPr>
         </p:nvSpPr>
-        <p:spPr/>
+        <p:spPr>
+          <a:xfrm>
+            <a:off x="685800" y="1417638"/>
+            <a:ext cx="7772400" cy="4160201"/>
+          </a:xfrm>
+        </p:spPr>
         <p:txBody>
           <a:bodyPr>
-            <a:normAutofit lnSpcReduction="10000"/>
+            <a:normAutofit/>
           </a:bodyPr>
           <a:lstStyle/>
           <a:p>
             <a:r>
               <a:rPr lang="en-US" sz="2400" dirty="0" smtClean="0"/>
-              <a:t>If a student forget </a:t>
-            </a:r>
+              <a:t>If a student forget their password they will receive a new password to their email address.</a:t>
+            </a:r>
+          </a:p>
+          <a:p>
             <a:r>
               <a:rPr lang="en-US" sz="2400" dirty="0" smtClean="0"/>
-              <a:t>their password they will </a:t>
-            </a:r>
-            <a:r>
-              <a:rPr lang="en-US" sz="2400" dirty="0" smtClean="0"/>
-              <a:t>receive a new password to </a:t>
-            </a:r>
-            <a:r>
-              <a:rPr lang="en-US" sz="2400" dirty="0" smtClean="0"/>
-              <a:t>their email address.</a:t>
-            </a:r>
-            <a:endParaRPr lang="en-US" sz="2400" dirty="0" smtClean="0"/>
-          </a:p>
-          <a:p>
-            <a:r>
-              <a:rPr lang="en-US" sz="2400" dirty="0" smtClean="0"/>
-              <a:t>Students will have to pay for each </a:t>
-            </a:r>
-            <a:r>
-              <a:rPr lang="en-US" sz="2400" dirty="0" smtClean="0"/>
-              <a:t>answer.</a:t>
+              <a:t>Students will have to pay for each answer.</a:t>
             </a:r>
           </a:p>
           <a:p>
             <a:pPr lvl="1"/>
             <a:r>
-              <a:rPr lang="en-US" dirty="0" smtClean="0"/>
-              <a:t>Credit/</a:t>
-            </a:r>
-            <a:r>
-              <a:rPr lang="en-US" dirty="0" smtClean="0"/>
-              <a:t>debit card payment </a:t>
-            </a:r>
-            <a:r>
-              <a:rPr lang="en-US" dirty="0" smtClean="0"/>
-              <a:t>method</a:t>
-            </a:r>
-            <a:endParaRPr lang="en-US" dirty="0"/>
+              <a:rPr lang="en-US" sz="2000" dirty="0" smtClean="0"/>
+              <a:t>Credit/debit card payment method</a:t>
+            </a:r>
+            <a:endParaRPr lang="en-US" sz="2000" dirty="0"/>
           </a:p>
           <a:p>
             <a:pPr lvl="1"/>
             <a:r>
-              <a:rPr lang="en-US" dirty="0" smtClean="0"/>
+              <a:rPr lang="en-US" sz="2000" dirty="0" smtClean="0"/>
               <a:t>Student can make deposit so as not to pay every time</a:t>
             </a:r>
           </a:p>
@@ -14923,7 +14895,6 @@
               <a:rPr lang="en-US" sz="2400" dirty="0" smtClean="0"/>
               <a:t>Answerers will have to get validated.</a:t>
             </a:r>
-            <a:endParaRPr lang="en-US" sz="2400" dirty="0" smtClean="0"/>
           </a:p>
           <a:p>
             <a:r>
@@ -14934,17 +14905,17 @@
           <a:p>
             <a:pPr lvl="1"/>
             <a:r>
-              <a:rPr lang="en-US" dirty="0" smtClean="0"/>
+              <a:rPr lang="en-US" sz="2000" dirty="0" smtClean="0"/>
               <a:t>Can link their Snap-2-Ask account to their bank account</a:t>
             </a:r>
           </a:p>
           <a:p>
             <a:pPr lvl="1"/>
             <a:r>
-              <a:rPr lang="en-US" dirty="0" smtClean="0"/>
+              <a:rPr lang="en-US" sz="2000" dirty="0" smtClean="0"/>
               <a:t>Withdraw money at any time</a:t>
             </a:r>
-            <a:endParaRPr lang="en-US" dirty="0"/>
+            <a:endParaRPr lang="en-US" sz="2000" dirty="0"/>
           </a:p>
         </p:txBody>
       </p:sp>
@@ -15034,28 +15005,28 @@
           <a:p>
             <a:pPr lvl="1"/>
             <a:r>
-              <a:rPr lang="en-US" dirty="0" smtClean="0"/>
+              <a:rPr lang="en-US" sz="2000" dirty="0" smtClean="0"/>
               <a:t>Middle school students</a:t>
             </a:r>
           </a:p>
           <a:p>
             <a:pPr lvl="1"/>
             <a:r>
-              <a:rPr lang="en-US" dirty="0"/>
+              <a:rPr lang="en-US" sz="2000" dirty="0"/>
               <a:t>H</a:t>
             </a:r>
             <a:r>
-              <a:rPr lang="en-US" dirty="0" smtClean="0"/>
+              <a:rPr lang="en-US" sz="2000" dirty="0" smtClean="0"/>
               <a:t>igh school students</a:t>
             </a:r>
           </a:p>
           <a:p>
             <a:pPr lvl="1"/>
             <a:r>
-              <a:rPr lang="en-US" dirty="0" smtClean="0"/>
+              <a:rPr lang="en-US" sz="2000" dirty="0" smtClean="0"/>
               <a:t>College students</a:t>
             </a:r>
-            <a:endParaRPr lang="en-US" dirty="0"/>
+            <a:endParaRPr lang="en-US" sz="2000" dirty="0"/>
           </a:p>
           <a:p>
             <a:pPr lvl="0"/>
@@ -15067,24 +15038,23 @@
           <a:p>
             <a:pPr lvl="1"/>
             <a:r>
-              <a:rPr lang="en-US" dirty="0" smtClean="0"/>
+              <a:rPr lang="en-US" sz="2000" dirty="0" smtClean="0"/>
               <a:t>College students</a:t>
             </a:r>
           </a:p>
           <a:p>
             <a:pPr lvl="1"/>
             <a:r>
-              <a:rPr lang="en-US" dirty="0" smtClean="0"/>
+              <a:rPr lang="en-US" sz="2000" dirty="0" smtClean="0"/>
               <a:t>Teachers</a:t>
             </a:r>
           </a:p>
           <a:p>
             <a:pPr lvl="1"/>
             <a:r>
-              <a:rPr lang="en-US" dirty="0" smtClean="0"/>
+              <a:rPr lang="en-US" sz="2000" dirty="0" smtClean="0"/>
               <a:t>Anyone who passes subject-based tests</a:t>
             </a:r>
-            <a:endParaRPr lang="en-US" dirty="0" smtClean="0"/>
           </a:p>
         </p:txBody>
       </p:sp>
@@ -15250,6 +15220,7 @@
           <a:bodyPr/>
           <a:lstStyle/>
           <a:p>
+            <a:pPr algn="ctr"/>
             <a:r>
               <a:rPr lang="en-US" dirty="0" smtClean="0"/>
               <a:t>Who We Are</a:t>
@@ -15282,25 +15253,8 @@
           <a:p>
             <a:r>
               <a:rPr lang="en-US" sz="2800" dirty="0" smtClean="0"/>
-              <a:t>Elena </a:t>
-            </a:r>
-            <a:r>
-              <a:rPr lang="en-US" sz="2800" dirty="0" smtClean="0"/>
-              <a:t>Villamil</a:t>
-            </a:r>
-            <a:r>
-              <a:rPr lang="en-US" sz="2800" dirty="0" smtClean="0"/>
-              <a:t> Rodriguez</a:t>
-            </a:r>
-            <a:r>
-              <a:rPr lang="en-US" sz="2800" dirty="0" smtClean="0"/>
-              <a:t>		</a:t>
-            </a:r>
-            <a:r>
-              <a:rPr lang="en-US" sz="2800" dirty="0" smtClean="0"/>
-              <a:t>Database</a:t>
-            </a:r>
-            <a:endParaRPr lang="en-US" sz="2800" dirty="0" smtClean="0"/>
+              <a:t>Elena Villamil Rodriguez		Database</a:t>
+            </a:r>
           </a:p>
           <a:p>
             <a:r>
@@ -15325,15 +15279,7 @@
           <a:p>
             <a:r>
               <a:rPr lang="en-US" sz="2800" dirty="0" smtClean="0"/>
-              <a:t>Roman </a:t>
-            </a:r>
-            <a:r>
-              <a:rPr lang="en-US" sz="2800" dirty="0" smtClean="0"/>
-              <a:t>Stolyarov</a:t>
-            </a:r>
-            <a:r>
-              <a:rPr lang="en-US" sz="2800" dirty="0" smtClean="0"/>
-              <a:t>			</a:t>
+              <a:t>Roman Stolyarov			</a:t>
             </a:r>
             <a:r>
               <a:rPr lang="en-US" sz="2800" dirty="0"/>
@@ -15347,19 +15293,7 @@
           <a:p>
             <a:r>
               <a:rPr lang="en-US" sz="2800" dirty="0" smtClean="0"/>
-              <a:t>Vipul</a:t>
-            </a:r>
-            <a:r>
-              <a:rPr lang="en-US" sz="2800" dirty="0" smtClean="0"/>
-              <a:t> </a:t>
-            </a:r>
-            <a:r>
-              <a:rPr lang="en-US" sz="2800" dirty="0" smtClean="0"/>
-              <a:t>Kohli</a:t>
-            </a:r>
-            <a:r>
-              <a:rPr lang="en-US" sz="2800" dirty="0" smtClean="0"/>
-              <a:t>				GUI</a:t>
+              <a:t>Vipul Kohli				GUI</a:t>
             </a:r>
             <a:endParaRPr lang="en-US" sz="2800" dirty="0"/>
           </a:p>
@@ -15443,11 +15377,17 @@
             <p:ph type="title"/>
           </p:nvPr>
         </p:nvSpPr>
-        <p:spPr/>
+        <p:spPr>
+          <a:xfrm>
+            <a:off x="685800" y="167958"/>
+            <a:ext cx="7772400" cy="1143000"/>
+          </a:xfrm>
+        </p:spPr>
         <p:txBody>
           <a:bodyPr/>
           <a:lstStyle/>
           <a:p>
+            <a:pPr algn="ctr"/>
             <a:r>
               <a:rPr lang="en-US" dirty="0" smtClean="0"/>
               <a:t>Product Idea</a:t>
@@ -15468,145 +15408,77 @@
         </p:nvSpPr>
         <p:spPr>
           <a:xfrm>
-            <a:off x="685800" y="1600201"/>
-            <a:ext cx="7772400" cy="3733800"/>
+            <a:off x="685800" y="1463358"/>
+            <a:ext cx="7772400" cy="4130039"/>
           </a:xfrm>
         </p:spPr>
         <p:txBody>
           <a:bodyPr>
-            <a:normAutofit/>
+            <a:normAutofit lnSpcReduction="10000"/>
           </a:bodyPr>
           <a:lstStyle/>
           <a:p>
             <a:pPr indent="-342900"/>
             <a:r>
-              <a:rPr lang="en-US" sz="2200" dirty="0" smtClean="0"/>
-              <a:t>What</a:t>
-            </a:r>
-            <a:r>
-              <a:rPr lang="en-US" sz="2200" dirty="0" smtClean="0"/>
-              <a:t>?</a:t>
+              <a:rPr lang="en-US" sz="2400" dirty="0" smtClean="0"/>
+              <a:t>What?</a:t>
+            </a:r>
+          </a:p>
+          <a:p>
+            <a:pPr lvl="1" indent="-342900">
+              <a:lnSpc>
+                <a:spcPct val="150000"/>
+              </a:lnSpc>
+            </a:pPr>
+            <a:r>
+              <a:rPr lang="en-US" sz="2000" dirty="0" smtClean="0"/>
+              <a:t>An image-based, academic</a:t>
+            </a:r>
+            <a:r>
+              <a:rPr lang="en-US" sz="2000" dirty="0"/>
+              <a:t> </a:t>
+            </a:r>
+            <a:r>
+              <a:rPr lang="en-US" sz="2000" dirty="0" smtClean="0"/>
+              <a:t>Q&amp;A software application. </a:t>
+            </a:r>
+          </a:p>
+          <a:p>
+            <a:pPr indent="-342900"/>
+            <a:r>
+              <a:rPr lang="en-US" sz="2400" dirty="0" smtClean="0"/>
+              <a:t>Why?</a:t>
             </a:r>
           </a:p>
           <a:p>
             <a:pPr lvl="1" indent="-342900"/>
             <a:r>
-              <a:rPr lang="en-US" sz="1700" dirty="0" smtClean="0"/>
-              <a:t>An image</a:t>
-            </a:r>
-            <a:r>
-              <a:rPr lang="en-US" sz="1700" dirty="0" smtClean="0"/>
-              <a:t>-based</a:t>
-            </a:r>
-            <a:r>
-              <a:rPr lang="en-US" sz="1700" dirty="0" smtClean="0"/>
-              <a:t>, </a:t>
-            </a:r>
-            <a:r>
-              <a:rPr lang="en-US" sz="1700" dirty="0" smtClean="0"/>
-              <a:t>academic</a:t>
-            </a:r>
-            <a:r>
-              <a:rPr lang="en-US" sz="1700" dirty="0"/>
-              <a:t> </a:t>
-            </a:r>
-            <a:r>
-              <a:rPr lang="en-US" sz="1700" dirty="0" smtClean="0"/>
-              <a:t>Q&amp;A</a:t>
-            </a:r>
-            <a:r>
-              <a:rPr lang="en-US" sz="1700" dirty="0" smtClean="0"/>
-              <a:t> </a:t>
-            </a:r>
-            <a:r>
-              <a:rPr lang="en-US" sz="1700" dirty="0" smtClean="0"/>
-              <a:t>software application. </a:t>
+              <a:rPr lang="en-US" sz="2000" dirty="0" smtClean="0"/>
+              <a:t>To aid in a student’s ability to post on a Q&amp;A forum through the use of photos.</a:t>
             </a:r>
           </a:p>
           <a:p>
             <a:pPr indent="-342900"/>
             <a:r>
-              <a:rPr lang="en-US" sz="2200" dirty="0" smtClean="0"/>
-              <a:t>Why</a:t>
-            </a:r>
-            <a:r>
-              <a:rPr lang="en-US" sz="2200" dirty="0" smtClean="0"/>
-              <a:t>?</a:t>
+              <a:rPr lang="en-US" sz="2400" dirty="0" smtClean="0"/>
+              <a:t>How?</a:t>
             </a:r>
           </a:p>
           <a:p>
             <a:pPr lvl="1" indent="-342900"/>
             <a:r>
-              <a:rPr lang="en-US" dirty="0" smtClean="0"/>
-              <a:t>To </a:t>
-            </a:r>
-            <a:r>
-              <a:rPr lang="en-US" dirty="0" smtClean="0"/>
-              <a:t>aid in a </a:t>
-            </a:r>
-            <a:r>
-              <a:rPr lang="en-US" dirty="0" smtClean="0"/>
-              <a:t>student’s </a:t>
-            </a:r>
-            <a:r>
-              <a:rPr lang="en-US" dirty="0" smtClean="0"/>
-              <a:t>ability to post on a Q&amp;A forum through the </a:t>
-            </a:r>
-            <a:r>
-              <a:rPr lang="en-US" dirty="0" smtClean="0"/>
-              <a:t>use </a:t>
-            </a:r>
-            <a:r>
-              <a:rPr lang="en-US" dirty="0" smtClean="0"/>
-              <a:t>of photos.</a:t>
-            </a:r>
+              <a:rPr lang="en-US" sz="2000" dirty="0" smtClean="0"/>
+              <a:t>Photo-based Q&amp;A will aid the user by eliminating typing of symbols or graphs that may accompany an academic question. </a:t>
+            </a:r>
+            <a:endParaRPr lang="en-US" sz="2000" dirty="0"/>
           </a:p>
           <a:p>
             <a:pPr indent="-342900"/>
             <a:r>
-              <a:rPr lang="en-US" sz="2200" dirty="0" smtClean="0"/>
-              <a:t>How</a:t>
-            </a:r>
-            <a:r>
-              <a:rPr lang="en-US" sz="2200" dirty="0" smtClean="0"/>
-              <a:t>?</a:t>
-            </a:r>
-          </a:p>
-          <a:p>
-            <a:pPr lvl="1" indent="-342900"/>
-            <a:r>
-              <a:rPr lang="en-US" dirty="0" smtClean="0"/>
-              <a:t>Photo-based Q&amp;A will </a:t>
-            </a:r>
-            <a:r>
-              <a:rPr lang="en-US" dirty="0" smtClean="0"/>
-              <a:t>aid the user by eliminating </a:t>
-            </a:r>
-            <a:r>
-              <a:rPr lang="en-US" dirty="0" smtClean="0"/>
-              <a:t>typing of symbols or graphs </a:t>
-            </a:r>
-            <a:r>
-              <a:rPr lang="en-US" dirty="0" smtClean="0"/>
-              <a:t>that may accompany an </a:t>
-            </a:r>
-            <a:r>
-              <a:rPr lang="en-US" dirty="0" smtClean="0"/>
-              <a:t>academic </a:t>
-            </a:r>
-            <a:r>
-              <a:rPr lang="en-US" dirty="0" smtClean="0"/>
-              <a:t>question. </a:t>
-            </a:r>
-            <a:endParaRPr lang="en-US" dirty="0"/>
-          </a:p>
-          <a:p>
-            <a:pPr indent="-342900"/>
-            <a:r>
-              <a:rPr lang="en-US" dirty="0" smtClean="0"/>
+              <a:rPr lang="en-US" sz="2400" dirty="0" smtClean="0"/>
               <a:t>Snap-2-Ask makes outsourcing a question faster and easier than ever.</a:t>
             </a:r>
-            <a:endParaRPr lang="en-US" dirty="0"/>
+            <a:endParaRPr lang="en-US" sz="2400" dirty="0"/>
           </a:p>
         </p:txBody>
       </p:sp>
@@ -15658,11 +15530,17 @@
             <p:ph type="title"/>
           </p:nvPr>
         </p:nvSpPr>
-        <p:spPr/>
+        <p:spPr>
+          <a:xfrm>
+            <a:off x="685800" y="152718"/>
+            <a:ext cx="7772400" cy="1143000"/>
+          </a:xfrm>
+        </p:spPr>
         <p:txBody>
           <a:bodyPr/>
           <a:lstStyle/>
           <a:p>
+            <a:pPr algn="ctr"/>
             <a:r>
               <a:rPr lang="en-US" dirty="0" smtClean="0"/>
               <a:t>Product idea</a:t>
@@ -15684,7 +15562,7 @@
         <p:spPr>
           <a:xfrm>
             <a:off x="685800" y="1417638"/>
-            <a:ext cx="7772400" cy="4164037"/>
+            <a:ext cx="7772400" cy="4327842"/>
           </a:xfrm>
         </p:spPr>
         <p:txBody>
@@ -15696,11 +15574,7 @@
             <a:pPr indent="-342900"/>
             <a:r>
               <a:rPr lang="en-US" sz="2800" dirty="0" smtClean="0"/>
-              <a:t>Android </a:t>
-            </a:r>
-            <a:r>
-              <a:rPr lang="en-US" sz="2800" dirty="0" smtClean="0"/>
-              <a:t>Application – For Students</a:t>
+              <a:t>Android Application – For Students</a:t>
             </a:r>
           </a:p>
           <a:p>
@@ -15709,27 +15583,13 @@
               <a:rPr lang="en-US" sz="2000" dirty="0" smtClean="0"/>
               <a:t>Student opens app and sees camera view.</a:t>
             </a:r>
-            <a:endParaRPr lang="en-US" sz="2000" dirty="0" smtClean="0"/>
           </a:p>
           <a:p>
             <a:pPr lvl="2" indent="-342900"/>
             <a:r>
               <a:rPr lang="en-US" sz="2000" dirty="0" smtClean="0"/>
-              <a:t>Student</a:t>
-            </a:r>
-            <a:r>
-              <a:rPr lang="en-US" sz="2000" dirty="0" smtClean="0"/>
-              <a:t> quickly “snaps” and sends </a:t>
-            </a:r>
-            <a:r>
-              <a:rPr lang="en-US" sz="2000" dirty="0" smtClean="0"/>
-              <a:t>a question</a:t>
-            </a:r>
-            <a:r>
-              <a:rPr lang="en-US" sz="2000" dirty="0" smtClean="0"/>
-              <a:t>. </a:t>
-            </a:r>
-            <a:endParaRPr lang="en-US" sz="2000" dirty="0" smtClean="0"/>
+              <a:t>Student quickly “snaps” and sends a question. </a:t>
+            </a:r>
           </a:p>
           <a:p>
             <a:pPr lvl="2" indent="-342900"/>
@@ -15744,7 +15604,6 @@
               <a:rPr lang="en-US" sz="2000" dirty="0" smtClean="0"/>
               <a:t>Student views and rates answer(s).</a:t>
             </a:r>
-            <a:endParaRPr lang="en-US" sz="2000" dirty="0" smtClean="0"/>
           </a:p>
           <a:p>
             <a:pPr indent="-342900"/>
@@ -15756,28 +15615,19 @@
               <a:rPr lang="en-US" sz="2800" dirty="0" smtClean="0"/>
               <a:t>Website – For Answerers</a:t>
             </a:r>
-            <a:endParaRPr lang="en-US" sz="2800" dirty="0" smtClean="0"/>
           </a:p>
           <a:p>
             <a:pPr lvl="2" indent="-342900"/>
             <a:r>
               <a:rPr lang="en-US" sz="2000" dirty="0" smtClean="0"/>
-              <a:t>Answerer opens site and sees </a:t>
-            </a:r>
+              <a:t>Answerer opens site and sees array of questions.</a:t>
+            </a:r>
+          </a:p>
+          <a:p>
+            <a:pPr lvl="2" indent="-342900"/>
             <a:r>
               <a:rPr lang="en-US" sz="2000" dirty="0" smtClean="0"/>
-              <a:t>array of questions.</a:t>
-            </a:r>
-          </a:p>
-          <a:p>
-            <a:pPr lvl="2" indent="-342900"/>
-            <a:r>
-              <a:rPr lang="en-US" sz="2000" dirty="0" smtClean="0"/>
-              <a:t>Answerer chooses question by category, at random, or </a:t>
-            </a:r>
-            <a:r>
-              <a:rPr lang="en-US" sz="2000" dirty="0" smtClean="0"/>
-              <a:t>unanswered.</a:t>
+              <a:t>Answerer chooses question by category, at random, or unanswered.</a:t>
             </a:r>
           </a:p>
           <a:p>
@@ -15839,6 +15689,7 @@
           <a:bodyPr/>
           <a:lstStyle/>
           <a:p>
+            <a:pPr algn="ctr"/>
             <a:r>
               <a:rPr lang="en-US" dirty="0" smtClean="0"/>
               <a:t>Product idea</a:t>
@@ -15860,62 +15711,66 @@
         <p:spPr/>
         <p:txBody>
           <a:bodyPr>
-            <a:normAutofit fontScale="92500" lnSpcReduction="10000"/>
+            <a:normAutofit fontScale="92500" lnSpcReduction="20000"/>
           </a:bodyPr>
           <a:lstStyle/>
           <a:p>
             <a:r>
+              <a:rPr lang="en-US" sz="2400" dirty="0" smtClean="0"/>
+              <a:t>Database Concepts</a:t>
+            </a:r>
+          </a:p>
+          <a:p>
+            <a:endParaRPr lang="en-US" dirty="0" smtClean="0"/>
+          </a:p>
+          <a:p>
+            <a:pPr lvl="2">
+              <a:lnSpc>
+                <a:spcPct val="110000"/>
+              </a:lnSpc>
+            </a:pPr>
+            <a:r>
+              <a:rPr lang="en-US" sz="2200" dirty="0"/>
+              <a:t>We will draw upon </a:t>
+            </a:r>
+            <a:r>
               <a:rPr lang="en-US" sz="2200" dirty="0" smtClean="0"/>
-              <a:t>Database Concepts</a:t>
-            </a:r>
-          </a:p>
-          <a:p>
-            <a:endParaRPr lang="en-US" dirty="0" smtClean="0"/>
-          </a:p>
-          <a:p>
-            <a:pPr lvl="2"/>
-            <a:r>
-              <a:rPr lang="en-US" sz="2000" dirty="0"/>
-              <a:t>We will draw upon </a:t>
-            </a:r>
-            <a:r>
-              <a:rPr lang="en-US" sz="2000" dirty="0" smtClean="0"/>
               <a:t>skills </a:t>
             </a:r>
             <a:r>
-              <a:rPr lang="en-US" sz="2000" dirty="0"/>
+              <a:rPr lang="en-US" sz="2200" dirty="0"/>
               <a:t>acquired through Database </a:t>
             </a:r>
             <a:r>
-              <a:rPr lang="en-US" sz="2000" dirty="0" smtClean="0"/>
+              <a:rPr lang="en-US" sz="2200" dirty="0" smtClean="0"/>
               <a:t>Concepts </a:t>
             </a:r>
             <a:r>
-              <a:rPr lang="en-US" sz="2000" dirty="0"/>
+              <a:rPr lang="en-US" sz="2200" dirty="0"/>
               <a:t>by creating and managing </a:t>
             </a:r>
             <a:r>
-              <a:rPr lang="en-US" sz="2000" dirty="0" smtClean="0"/>
+              <a:rPr lang="en-US" sz="2200" dirty="0" smtClean="0"/>
               <a:t>a database</a:t>
             </a:r>
             <a:r>
-              <a:rPr lang="en-US" sz="2000" dirty="0"/>
+              <a:rPr lang="en-US" sz="2200" dirty="0"/>
               <a:t>, including </a:t>
             </a:r>
             <a:r>
-              <a:rPr lang="en-US" sz="2000" dirty="0" smtClean="0"/>
+              <a:rPr lang="en-US" sz="2200" dirty="0" smtClean="0"/>
               <a:t>tables for students </a:t>
             </a:r>
             <a:r>
-              <a:rPr lang="en-US" sz="2000" dirty="0"/>
+              <a:rPr lang="en-US" sz="2200" dirty="0"/>
               <a:t>accounts, tutor </a:t>
             </a:r>
             <a:r>
-              <a:rPr lang="en-US" sz="2000" dirty="0" smtClean="0"/>
+              <a:rPr lang="en-US" sz="2200" dirty="0" smtClean="0"/>
               <a:t>accounts, questions </a:t>
             </a:r>
             <a:r>
-              <a:rPr lang="en-US" sz="2000" dirty="0"/>
+              <a:rPr lang="en-US" sz="2200" dirty="0"/>
               <a:t>asked, and answers. </a:t>
             </a:r>
           </a:p>
@@ -15927,29 +15782,32 @@
           </a:p>
           <a:p>
             <a:r>
+              <a:rPr lang="en-US" sz="2400" dirty="0" smtClean="0"/>
+              <a:t>GUI</a:t>
+            </a:r>
+          </a:p>
+          <a:p>
+            <a:pPr lvl="2">
+              <a:lnSpc>
+                <a:spcPct val="120000"/>
+              </a:lnSpc>
+            </a:pPr>
+            <a:r>
+              <a:rPr lang="en-US" sz="2200" dirty="0"/>
+              <a:t>We will use our abilities gained from GUI </a:t>
+            </a:r>
+            <a:r>
               <a:rPr lang="en-US" sz="2200" dirty="0" smtClean="0"/>
-              <a:t>GUI</a:t>
-            </a:r>
-          </a:p>
-          <a:p>
-            <a:pPr lvl="2"/>
-            <a:r>
-              <a:rPr lang="en-US" sz="2000" dirty="0"/>
-              <a:t>We will use our abilities gained from GUI </a:t>
-            </a:r>
-            <a:r>
-              <a:rPr lang="en-US" sz="2000" dirty="0" smtClean="0"/>
               <a:t>by </a:t>
             </a:r>
             <a:r>
-              <a:rPr lang="en-US" sz="2000" dirty="0"/>
+              <a:rPr lang="en-US" sz="2200" dirty="0"/>
               <a:t>implementing </a:t>
             </a:r>
             <a:r>
-              <a:rPr lang="en-US" sz="2000" dirty="0" smtClean="0"/>
+              <a:rPr lang="en-US" sz="2200" dirty="0" smtClean="0"/>
               <a:t>a simple and fast mobile app for students and a clear web interface for tutors.</a:t>
             </a:r>
-            <a:endParaRPr lang="en-US" sz="2000" dirty="0" smtClean="0"/>
           </a:p>
           <a:p>
             <a:pPr marL="68580" indent="0">
@@ -16013,6 +15871,7 @@
           </a:bodyPr>
           <a:lstStyle/>
           <a:p>
+            <a:pPr algn="ctr"/>
             <a:r>
               <a:rPr lang="en-US" dirty="0" smtClean="0"/>
               <a:t>Market Analysis </a:t>
@@ -16033,8 +15892,8 @@
         </p:nvSpPr>
         <p:spPr>
           <a:xfrm>
-            <a:off x="685800" y="1702190"/>
-            <a:ext cx="7772400" cy="4487594"/>
+            <a:off x="685800" y="1417638"/>
+            <a:ext cx="7772400" cy="4772146"/>
           </a:xfrm>
         </p:spPr>
         <p:txBody>
@@ -16043,123 +15902,107 @@
           </a:bodyPr>
           <a:lstStyle/>
           <a:p>
-            <a:pPr marL="342900" lvl="1"/>
+            <a:pPr marL="342900" lvl="1">
+              <a:lnSpc>
+                <a:spcPct val="150000"/>
+              </a:lnSpc>
+            </a:pPr>
+            <a:r>
+              <a:rPr lang="en-US" sz="2200" dirty="0"/>
+              <a:t>Online </a:t>
+            </a:r>
+            <a:r>
+              <a:rPr lang="en-US" sz="2200" dirty="0" smtClean="0"/>
+              <a:t>tutoring is a rapidly growing industry.</a:t>
+            </a:r>
+          </a:p>
+          <a:p>
+            <a:pPr marL="742950" lvl="2"/>
+            <a:r>
+              <a:rPr lang="en-US" sz="2000" dirty="0" smtClean="0"/>
+              <a:t>$</a:t>
+            </a:r>
             <a:r>
               <a:rPr lang="en-US" sz="2000" dirty="0"/>
-              <a:t>Online </a:t>
+              <a:t>102.8 billion by 2018 (Forbes</a:t>
             </a:r>
             <a:r>
               <a:rPr lang="en-US" sz="2000" dirty="0" smtClean="0"/>
-              <a:t>tutoring is a rapidly growing industry.</a:t>
-            </a:r>
-          </a:p>
-          <a:p>
-            <a:pPr marL="742950" lvl="2"/>
-            <a:r>
-              <a:rPr lang="en-US" sz="1800" dirty="0" smtClean="0"/>
-              <a:t>$</a:t>
-            </a:r>
-            <a:r>
-              <a:rPr lang="en-US" sz="1800" dirty="0"/>
-              <a:t>102.8 billion by 2018 (Forbes</a:t>
-            </a:r>
-            <a:r>
-              <a:rPr lang="en-US" sz="1800" dirty="0" smtClean="0"/>
               <a:t>)</a:t>
             </a:r>
           </a:p>
           <a:p>
             <a:r>
-              <a:rPr lang="en-US" dirty="0" smtClean="0"/>
+              <a:rPr lang="en-US" sz="2200" dirty="0" smtClean="0"/>
               <a:t>Why?</a:t>
             </a:r>
           </a:p>
           <a:p>
             <a:pPr lvl="1"/>
             <a:r>
-              <a:rPr lang="en-US" sz="1800" dirty="0" smtClean="0"/>
+              <a:rPr lang="en-US" sz="2000" dirty="0" smtClean="0"/>
               <a:t>Budget cuts in U.S. public schools.</a:t>
             </a:r>
           </a:p>
           <a:p>
             <a:pPr lvl="1"/>
             <a:r>
-              <a:rPr lang="en-US" sz="1800" dirty="0" smtClean="0"/>
+              <a:rPr lang="en-US" sz="2000" dirty="0" smtClean="0"/>
               <a:t>Increasing cost of higher education</a:t>
             </a:r>
           </a:p>
           <a:p>
             <a:r>
-              <a:rPr lang="en-US" dirty="0"/>
+              <a:rPr lang="en-US" sz="2200" dirty="0"/>
               <a:t>Top five online tutoring companies</a:t>
             </a:r>
           </a:p>
           <a:p>
             <a:pPr lvl="1"/>
             <a:r>
-              <a:rPr lang="en-US" sz="1800" dirty="0" smtClean="0"/>
-              <a:t>Tutor.com</a:t>
-            </a:r>
-            <a:r>
-              <a:rPr lang="en-US" sz="1800" dirty="0" smtClean="0"/>
-              <a:t>, Growing stars, </a:t>
-            </a:r>
-            <a:r>
-              <a:rPr lang="en-US" sz="1800" dirty="0" smtClean="0"/>
-              <a:t>TutorVista</a:t>
-            </a:r>
-            <a:r>
-              <a:rPr lang="en-US" sz="1800" dirty="0" smtClean="0"/>
-              <a:t>, </a:t>
-            </a:r>
-            <a:r>
-              <a:rPr lang="en-US" sz="1800" dirty="0" smtClean="0"/>
-              <a:t>eTutorWorld</a:t>
-            </a:r>
-            <a:r>
-              <a:rPr lang="en-US" sz="1800" dirty="0" smtClean="0"/>
-              <a:t>, Steps</a:t>
-            </a:r>
-            <a:endParaRPr lang="en-US" sz="1800" dirty="0"/>
-          </a:p>
-          <a:p>
-            <a:r>
-              <a:rPr lang="en-US" dirty="0" smtClean="0"/>
+              <a:rPr lang="en-US" sz="2000" dirty="0" smtClean="0"/>
+              <a:t>Tutor.com, Growing stars, TutorVista, eTutorWorld, Steps</a:t>
+            </a:r>
+            <a:endParaRPr lang="en-US" sz="2000" dirty="0"/>
+          </a:p>
+          <a:p>
+            <a:r>
+              <a:rPr lang="en-US" sz="2200" dirty="0" smtClean="0"/>
               <a:t>Typical pay $</a:t>
             </a:r>
             <a:r>
-              <a:rPr lang="en-US" dirty="0"/>
+              <a:rPr lang="en-US" sz="2200" dirty="0"/>
               <a:t>8-12 per </a:t>
             </a:r>
             <a:r>
-              <a:rPr lang="en-US" dirty="0" smtClean="0"/>
+              <a:rPr lang="en-US" sz="2200" dirty="0" smtClean="0"/>
               <a:t>tutoring hour</a:t>
             </a:r>
             <a:r>
-              <a:rPr lang="en-US" dirty="0"/>
+              <a:rPr lang="en-US" sz="2200" dirty="0"/>
               <a:t>.</a:t>
             </a:r>
           </a:p>
           <a:p>
             <a:r>
-              <a:rPr lang="en-US" dirty="0" smtClean="0"/>
+              <a:rPr lang="en-US" sz="2200" dirty="0" smtClean="0"/>
               <a:t>Typical cost $</a:t>
             </a:r>
             <a:r>
-              <a:rPr lang="en-US" dirty="0"/>
+              <a:rPr lang="en-US" sz="2200" dirty="0"/>
               <a:t>20-40 per </a:t>
             </a:r>
             <a:r>
-              <a:rPr lang="en-US" dirty="0" smtClean="0"/>
+              <a:rPr lang="en-US" sz="2200" dirty="0" smtClean="0"/>
               <a:t>tutoring hour</a:t>
             </a:r>
             <a:r>
-              <a:rPr lang="en-US" dirty="0"/>
+              <a:rPr lang="en-US" sz="2200" dirty="0"/>
               <a:t>.</a:t>
             </a:r>
           </a:p>
           <a:p>
-            <a:endParaRPr lang="en-US" dirty="0" smtClean="0"/>
+            <a:endParaRPr lang="en-US" sz="2200" dirty="0" smtClean="0"/>
           </a:p>
           <a:p>
             <a:endParaRPr lang="en-US" dirty="0" smtClean="0"/>
@@ -16221,13 +16064,19 @@
             <p:ph type="title"/>
           </p:nvPr>
         </p:nvSpPr>
-        <p:spPr/>
+        <p:spPr>
+          <a:xfrm>
+            <a:off x="685800" y="152718"/>
+            <a:ext cx="7772400" cy="1143000"/>
+          </a:xfrm>
+        </p:spPr>
         <p:txBody>
           <a:bodyPr>
             <a:normAutofit/>
           </a:bodyPr>
           <a:lstStyle/>
           <a:p>
+            <a:pPr algn="ctr"/>
             <a:r>
               <a:rPr lang="en-US" dirty="0" smtClean="0"/>
               <a:t>Market Analysis</a:t>
@@ -16246,89 +16095,96 @@
             <p:ph idx="1"/>
           </p:nvPr>
         </p:nvSpPr>
-        <p:spPr/>
+        <p:spPr>
+          <a:xfrm>
+            <a:off x="685800" y="1417638"/>
+            <a:ext cx="7772400" cy="4388801"/>
+          </a:xfrm>
+        </p:spPr>
         <p:txBody>
-          <a:bodyPr/>
+          <a:bodyPr>
+            <a:normAutofit/>
+          </a:bodyPr>
           <a:lstStyle/>
           <a:p>
             <a:r>
-              <a:rPr lang="en-US" dirty="0"/>
+              <a:rPr lang="en-US" sz="2200" dirty="0"/>
               <a:t>Snap-2-Ask is comparable to online </a:t>
             </a:r>
             <a:r>
-              <a:rPr lang="en-US" dirty="0" smtClean="0"/>
+              <a:rPr lang="en-US" sz="2200" dirty="0" smtClean="0"/>
               <a:t>tutoring industry-wise.</a:t>
             </a:r>
           </a:p>
           <a:p>
             <a:r>
-              <a:rPr lang="en-US" dirty="0" smtClean="0"/>
+              <a:rPr lang="en-US" sz="2200" dirty="0" smtClean="0"/>
               <a:t>However, our approach is appealing in several ways:</a:t>
             </a:r>
           </a:p>
           <a:p>
             <a:pPr lvl="1"/>
             <a:r>
-              <a:rPr lang="en-US" sz="1800" dirty="0" smtClean="0"/>
+              <a:rPr lang="en-US" sz="2000" dirty="0" smtClean="0"/>
               <a:t>Customers can ask questions without paying hefty per-hour fees.</a:t>
             </a:r>
           </a:p>
           <a:p>
             <a:pPr lvl="1"/>
             <a:r>
-              <a:rPr lang="en-US" sz="1800" dirty="0" smtClean="0"/>
+              <a:rPr lang="en-US" sz="2000" dirty="0" smtClean="0"/>
               <a:t>Customers can get answers to particular questions.</a:t>
             </a:r>
           </a:p>
           <a:p>
             <a:pPr lvl="1"/>
             <a:r>
-              <a:rPr lang="en-US" sz="1800" dirty="0" smtClean="0"/>
+              <a:rPr lang="en-US" sz="2000" dirty="0" smtClean="0"/>
               <a:t>Asking is easy; answers come fast.</a:t>
             </a:r>
           </a:p>
           <a:p>
             <a:r>
-              <a:rPr lang="en-US" dirty="0" smtClean="0"/>
+              <a:rPr lang="en-US" sz="2200" dirty="0" smtClean="0"/>
               <a:t>Snap-2-Ask charges students and compensates tutors on a per-question basis. </a:t>
             </a:r>
             <a:r>
-              <a:rPr lang="en-US" dirty="0"/>
+              <a:rPr lang="en-US" sz="2200" dirty="0"/>
               <a:t> </a:t>
             </a:r>
             <a:r>
-              <a:rPr lang="en-US" dirty="0" smtClean="0"/>
+              <a:rPr lang="en-US" sz="2200" dirty="0" smtClean="0"/>
               <a:t>As an example:</a:t>
             </a:r>
           </a:p>
           <a:p>
             <a:pPr lvl="1"/>
             <a:r>
-              <a:rPr lang="en-US" sz="1800" dirty="0"/>
+              <a:rPr lang="en-US" sz="2000" dirty="0"/>
               <a:t>S</a:t>
             </a:r>
             <a:r>
-              <a:rPr lang="en-US" sz="1800" dirty="0" smtClean="0"/>
+              <a:rPr lang="en-US" sz="2000" dirty="0" smtClean="0"/>
               <a:t>tudents pay $1.10 for an answer from a high-rated user</a:t>
             </a:r>
           </a:p>
           <a:p>
             <a:pPr lvl="1"/>
             <a:r>
-              <a:rPr lang="en-US" sz="1800" dirty="0" smtClean="0"/>
+              <a:rPr lang="en-US" sz="2000" dirty="0" smtClean="0"/>
               <a:t>User is paid $1 for his answer</a:t>
             </a:r>
           </a:p>
           <a:p>
             <a:pPr lvl="1"/>
             <a:r>
-              <a:rPr lang="en-US" sz="1800" dirty="0" smtClean="0"/>
+              <a:rPr lang="en-US" sz="2000" dirty="0" smtClean="0"/>
               <a:t>Tutor can make at least $12/hour assuming 5 minutes per question</a:t>
             </a:r>
           </a:p>
           <a:p>
             <a:pPr lvl="1"/>
-            <a:endParaRPr lang="en-US" dirty="0"/>
+            <a:endParaRPr lang="en-US" sz="2000" dirty="0"/>
           </a:p>
         </p:txBody>
       </p:sp>
@@ -16387,15 +16243,7 @@
           <a:p>
             <a:r>
               <a:rPr lang="en-US" dirty="0" smtClean="0"/>
-              <a:t>Product Features  </a:t>
-            </a:r>
-            <a:r>
-              <a:rPr lang="en-US" dirty="0" smtClean="0"/>
-              <a:t>version </a:t>
-            </a:r>
-            <a:r>
-              <a:rPr lang="en-US" dirty="0" smtClean="0"/>
-              <a:t>1.0</a:t>
+              <a:t>Product Features  version 1.0</a:t>
             </a:r>
             <a:endParaRPr lang="en-US" dirty="0"/>
           </a:p>
@@ -16423,105 +16271,58 @@
           </a:bodyPr>
           <a:lstStyle/>
           <a:p>
+            <a:pPr>
+              <a:lnSpc>
+                <a:spcPct val="150000"/>
+              </a:lnSpc>
+            </a:pPr>
             <a:r>
               <a:rPr lang="en-US" sz="2400" dirty="0" smtClean="0"/>
               <a:t>Students</a:t>
             </a:r>
             <a:r>
               <a:rPr lang="es-ES" sz="2400" dirty="0" smtClean="0"/>
-              <a:t> </a:t>
-            </a:r>
-            <a:r>
-              <a:rPr lang="es-ES" sz="2400" dirty="0" smtClean="0"/>
-              <a:t>will</a:t>
-            </a:r>
-            <a:r>
-              <a:rPr lang="es-ES" sz="2400" dirty="0" smtClean="0"/>
-              <a:t> </a:t>
-            </a:r>
-            <a:r>
-              <a:rPr lang="es-ES" sz="2400" dirty="0" smtClean="0"/>
-              <a:t>have</a:t>
-            </a:r>
-            <a:r>
-              <a:rPr lang="es-ES" sz="2400" dirty="0" smtClean="0"/>
-              <a:t> </a:t>
-            </a:r>
-            <a:r>
-              <a:rPr lang="es-ES" sz="2400" dirty="0" smtClean="0"/>
-              <a:t>account</a:t>
-            </a:r>
-            <a:r>
-              <a:rPr lang="es-ES" sz="2400" dirty="0" smtClean="0"/>
-              <a:t>s</a:t>
-            </a:r>
-            <a:r>
-              <a:rPr lang="es-ES" sz="2400" dirty="0" smtClean="0"/>
-              <a:t> and </a:t>
+              <a:t> will have accounts and </a:t>
             </a:r>
             <a:r>
               <a:rPr lang="en-US" sz="2400" dirty="0" smtClean="0"/>
-              <a:t>be </a:t>
-            </a:r>
+              <a:t>be able to ask questions by uploading:</a:t>
+            </a:r>
+          </a:p>
+          <a:p>
+            <a:pPr lvl="1"/>
+            <a:r>
+              <a:rPr lang="en-US" sz="2000" dirty="0"/>
+              <a:t>A</a:t>
+            </a:r>
+            <a:r>
+              <a:rPr lang="en-US" sz="2000" dirty="0" smtClean="0"/>
+              <a:t> picture</a:t>
+            </a:r>
+          </a:p>
+          <a:p>
+            <a:pPr lvl="1"/>
+            <a:r>
+              <a:rPr lang="en-US" sz="2000" dirty="0" smtClean="0"/>
+              <a:t>A category to which the question belongs</a:t>
+            </a:r>
+          </a:p>
+          <a:p>
+            <a:pPr lvl="1"/>
+            <a:r>
+              <a:rPr lang="en-US" sz="2000" dirty="0" smtClean="0"/>
+              <a:t>An optional description of the </a:t>
+            </a:r>
+            <a:r>
+              <a:rPr lang="en-US" sz="2000" dirty="0" smtClean="0"/>
+              <a:t>question</a:t>
+            </a:r>
+            <a:endParaRPr lang="en-US" sz="2000" dirty="0" smtClean="0"/>
+          </a:p>
+          <a:p>
             <a:r>
               <a:rPr lang="en-US" sz="2400" dirty="0" smtClean="0"/>
-              <a:t>able to ask questions by </a:t>
-            </a:r>
-            <a:r>
-              <a:rPr lang="en-US" sz="2400" dirty="0" smtClean="0"/>
-              <a:t>uploading:</a:t>
-            </a:r>
-          </a:p>
-          <a:p>
-            <a:pPr lvl="1"/>
-            <a:r>
-              <a:rPr lang="en-US" dirty="0"/>
-              <a:t>A</a:t>
-            </a:r>
-            <a:r>
-              <a:rPr lang="en-US" dirty="0" smtClean="0"/>
-              <a:t> picture</a:t>
-            </a:r>
-          </a:p>
-          <a:p>
-            <a:pPr lvl="1"/>
-            <a:r>
-              <a:rPr lang="en-US" dirty="0" smtClean="0"/>
-              <a:t>A category to which the question belongs</a:t>
-            </a:r>
-          </a:p>
-          <a:p>
-            <a:pPr lvl="1"/>
-            <a:r>
-              <a:rPr lang="en-US" dirty="0" smtClean="0"/>
-              <a:t>An</a:t>
-            </a:r>
-            <a:r>
-              <a:rPr lang="en-US" dirty="0" smtClean="0"/>
-              <a:t> </a:t>
-            </a:r>
-            <a:r>
-              <a:rPr lang="en-US" dirty="0" smtClean="0"/>
-              <a:t>optional description of the </a:t>
-            </a:r>
-            <a:r>
-              <a:rPr lang="en-US" dirty="0" smtClean="0"/>
-              <a:t>question</a:t>
-            </a:r>
-            <a:endParaRPr lang="en-US" sz="2400" dirty="0" smtClean="0"/>
-          </a:p>
-          <a:p>
-            <a:r>
-              <a:rPr lang="en-US" sz="2400" dirty="0" smtClean="0"/>
-              <a:t>Answerers will have accounts and be able to answer questions </a:t>
-            </a:r>
-            <a:r>
-              <a:rPr lang="en-US" sz="2400" dirty="0" smtClean="0"/>
-              <a:t>through </a:t>
-            </a:r>
-            <a:r>
-              <a:rPr lang="en-US" sz="2400" dirty="0" smtClean="0"/>
-              <a:t>text.</a:t>
+              <a:t>Answerers will have accounts and be able to answer questions through text.</a:t>
             </a:r>
           </a:p>
           <a:p>
@@ -16591,18 +16392,19 @@
             <p:ph type="title"/>
           </p:nvPr>
         </p:nvSpPr>
-        <p:spPr/>
+        <p:spPr>
+          <a:xfrm>
+            <a:off x="685800" y="274956"/>
+            <a:ext cx="7772400" cy="1143000"/>
+          </a:xfrm>
+        </p:spPr>
         <p:txBody>
           <a:bodyPr/>
           <a:lstStyle/>
           <a:p>
             <a:r>
               <a:rPr lang="en-US" dirty="0" smtClean="0"/>
-              <a:t>PRODUCT FEATURES  </a:t>
-            </a:r>
-            <a:r>
-              <a:rPr lang="en-US" dirty="0" smtClean="0"/>
-              <a:t>version 1.0</a:t>
+              <a:t>PRODUCT FEATURES  version 1.0</a:t>
             </a:r>
             <a:endParaRPr lang="en-US" dirty="0"/>
           </a:p>
@@ -16620,7 +16422,7 @@
         </p:nvSpPr>
         <p:spPr>
           <a:xfrm>
-            <a:off x="685800" y="1519659"/>
+            <a:off x="685800" y="1885419"/>
             <a:ext cx="7772400" cy="4221865"/>
           </a:xfrm>
         </p:spPr>
@@ -16630,6 +16432,11 @@
           </a:bodyPr>
           <a:lstStyle/>
           <a:p>
+            <a:pPr>
+              <a:lnSpc>
+                <a:spcPct val="150000"/>
+              </a:lnSpc>
+            </a:pPr>
             <a:r>
               <a:rPr lang="en-US" sz="2400" dirty="0" smtClean="0"/>
               <a:t>Students </a:t>
@@ -16640,92 +16447,28 @@
             </a:r>
             <a:r>
               <a:rPr lang="en-US" sz="2400" dirty="0" smtClean="0"/>
-              <a:t>answers. </a:t>
-            </a:r>
+              <a:t>answers.  </a:t>
+            </a:r>
+          </a:p>
+          <a:p>
+            <a:pPr lvl="1"/>
+            <a:r>
+              <a:rPr lang="en-US" sz="2000" dirty="0" smtClean="0"/>
+              <a:t>Answerer rating will be calculated from average of their answer rankings and total number of questions answered. </a:t>
+            </a:r>
+            <a:endParaRPr lang="en-US" sz="2000" dirty="0"/>
+          </a:p>
+          <a:p>
             <a:r>
               <a:rPr lang="en-US" sz="2400" dirty="0" smtClean="0"/>
-              <a:t> </a:t>
-            </a:r>
-          </a:p>
-          <a:p>
-            <a:pPr lvl="1"/>
-            <a:r>
-              <a:rPr lang="en-US" dirty="0" smtClean="0"/>
-              <a:t>Answerer </a:t>
-            </a:r>
-            <a:r>
-              <a:rPr lang="en-US" dirty="0" smtClean="0"/>
-              <a:t>rating will </a:t>
-            </a:r>
-            <a:r>
-              <a:rPr lang="en-US" dirty="0" smtClean="0"/>
-              <a:t>be </a:t>
-            </a:r>
-            <a:r>
-              <a:rPr lang="en-US" dirty="0" smtClean="0"/>
-              <a:t>calculated from </a:t>
-            </a:r>
-            <a:r>
-              <a:rPr lang="en-US" dirty="0" smtClean="0"/>
-              <a:t>average </a:t>
-            </a:r>
-            <a:r>
-              <a:rPr lang="en-US" dirty="0" smtClean="0"/>
-              <a:t>of </a:t>
-            </a:r>
-            <a:r>
-              <a:rPr lang="en-US" dirty="0" smtClean="0"/>
-              <a:t>their </a:t>
-            </a:r>
-            <a:r>
-              <a:rPr lang="en-US" dirty="0" smtClean="0"/>
-              <a:t>answer rankings </a:t>
-            </a:r>
-            <a:r>
-              <a:rPr lang="en-US" dirty="0" smtClean="0"/>
-              <a:t>and </a:t>
-            </a:r>
-            <a:r>
-              <a:rPr lang="en-US" dirty="0" smtClean="0"/>
-              <a:t>total </a:t>
-            </a:r>
-            <a:r>
-              <a:rPr lang="en-US" dirty="0" smtClean="0"/>
-              <a:t>number of questions answered. </a:t>
+              <a:t>Students will be able to search for answerers who live nearby.</a:t>
             </a:r>
             <a:endParaRPr lang="en-US" sz="2400" dirty="0"/>
           </a:p>
           <a:p>
             <a:r>
               <a:rPr lang="en-US" sz="2400" dirty="0" smtClean="0"/>
-              <a:t>Students will be able to search for </a:t>
-            </a:r>
-            <a:r>
-              <a:rPr lang="en-US" sz="2400" dirty="0" smtClean="0"/>
-              <a:t>answerers who </a:t>
-            </a:r>
-            <a:r>
-              <a:rPr lang="en-US" sz="2400" dirty="0" smtClean="0"/>
-              <a:t>live </a:t>
-            </a:r>
-            <a:r>
-              <a:rPr lang="en-US" sz="2400" dirty="0" smtClean="0"/>
-              <a:t>nearby.</a:t>
-            </a:r>
-            <a:endParaRPr lang="en-US" sz="2400" dirty="0"/>
-          </a:p>
-          <a:p>
-            <a:r>
-              <a:rPr lang="en-US" sz="2400" dirty="0" smtClean="0"/>
-              <a:t>Students will have access to </a:t>
-            </a:r>
-            <a:r>
-              <a:rPr lang="en-US" sz="2400" dirty="0" smtClean="0"/>
-              <a:t>their own Q&amp;A history</a:t>
-            </a:r>
-            <a:r>
-              <a:rPr lang="en-US" sz="2400" dirty="0" smtClean="0"/>
-              <a:t>.</a:t>
+              <a:t>Students will have access to their own Q&amp;A history.</a:t>
             </a:r>
             <a:endParaRPr lang="en-US" sz="2400" dirty="0"/>
           </a:p>

--- a/Proposal_Concise.pptx
+++ b/Proposal_Concise.pptx
@@ -5,7 +5,7 @@
     <p:sldMasterId id="2147484267" r:id="rId1"/>
   </p:sldMasterIdLst>
   <p:notesMasterIdLst>
-    <p:notesMasterId r:id="rId14"/>
+    <p:notesMasterId r:id="rId16"/>
   </p:notesMasterIdLst>
   <p:sldIdLst>
     <p:sldId id="256" r:id="rId2"/>
@@ -13,13 +13,15 @@
     <p:sldId id="259" r:id="rId4"/>
     <p:sldId id="264" r:id="rId5"/>
     <p:sldId id="265" r:id="rId6"/>
-    <p:sldId id="260" r:id="rId7"/>
-    <p:sldId id="263" r:id="rId8"/>
-    <p:sldId id="261" r:id="rId9"/>
-    <p:sldId id="262" r:id="rId10"/>
-    <p:sldId id="266" r:id="rId11"/>
-    <p:sldId id="258" r:id="rId12"/>
-    <p:sldId id="267" r:id="rId13"/>
+    <p:sldId id="268" r:id="rId7"/>
+    <p:sldId id="269" r:id="rId8"/>
+    <p:sldId id="260" r:id="rId9"/>
+    <p:sldId id="263" r:id="rId10"/>
+    <p:sldId id="261" r:id="rId11"/>
+    <p:sldId id="262" r:id="rId12"/>
+    <p:sldId id="266" r:id="rId13"/>
+    <p:sldId id="258" r:id="rId14"/>
+    <p:sldId id="267" r:id="rId15"/>
   </p:sldIdLst>
   <p:sldSz cx="9144000" cy="6858000" type="screen4x3"/>
   <p:notesSz cx="6858000" cy="9144000"/>
@@ -203,7 +205,7 @@
           <a:p>
             <a:fld id="{165DDFF0-975E-4A92-891F-989DC9045C85}" type="datetimeFigureOut">
               <a:rPr lang="en-US" smtClean="0"/>
-              <a:t>9/14/2013</a:t>
+              <a:t>9/15/2013</a:t>
             </a:fld>
             <a:endParaRPr lang="en-US" dirty="0"/>
           </a:p>
@@ -516,28 +518,33 @@
           <a:lstStyle/>
           <a:p>
             <a:r>
+              <a:rPr lang="en-US" dirty="0" err="1" smtClean="0"/>
+              <a:t>Raz</a:t>
+            </a:r>
+            <a:r>
               <a:rPr lang="en-US" dirty="0" smtClean="0"/>
-              <a:t>The idea of giving a rating to tutors</a:t>
+              <a:t>: android app</a:t>
+            </a:r>
+          </a:p>
+          <a:p>
+            <a:r>
+              <a:rPr lang="en-US" dirty="0" smtClean="0"/>
+              <a:t>Raymond:</a:t>
             </a:r>
             <a:r>
               <a:rPr lang="en-US" baseline="0" dirty="0" smtClean="0"/>
-              <a:t> is to provide the students with an idea of how reliable an answer is.</a:t>
-            </a:r>
-          </a:p>
-          <a:p>
-            <a:endParaRPr lang="en-US" baseline="0" dirty="0" smtClean="0"/>
-          </a:p>
-          <a:p>
+              <a:t> </a:t>
+            </a:r>
+            <a:r>
+              <a:rPr lang="en-US" baseline="0" dirty="0" err="1" smtClean="0"/>
+              <a:t>gui</a:t>
+            </a:r>
             <a:r>
               <a:rPr lang="en-US" baseline="0" dirty="0" smtClean="0"/>
-              <a:t>Tutor will provide location information, so if a students keep getting good answers from the same tutor, and thinks it will be a good idea to get a tutor appointment, the student can go look if the tutor lives close and sent him and email. </a:t>
-            </a:r>
-          </a:p>
-          <a:p>
-            <a:r>
-              <a:rPr lang="en-US" baseline="0" dirty="0" smtClean="0"/>
-              <a:t>The same way a student can look for tutors close to their location and get some a list of tutors possibilities and their contacts information.</a:t>
-            </a:r>
+              <a:t> for web page</a:t>
+            </a:r>
+          </a:p>
+          <a:p>
             <a:endParaRPr lang="en-US" dirty="0"/>
           </a:p>
         </p:txBody>
@@ -559,7 +566,114 @@
           <a:p>
             <a:fld id="{0F8DD2E9-88FF-4844-AE33-AFFDA72390CE}" type="slidenum">
               <a:rPr lang="en-US" smtClean="0"/>
-              <a:t>9</a:t>
+              <a:t>2</a:t>
+            </a:fld>
+            <a:endParaRPr lang="en-US" dirty="0"/>
+          </a:p>
+        </p:txBody>
+      </p:sp>
+    </p:spTree>
+    <p:extLst>
+      <p:ext uri="{BB962C8B-B14F-4D97-AF65-F5344CB8AC3E}">
+        <p14:creationId xmlns:p14="http://schemas.microsoft.com/office/powerpoint/2010/main" val="406854886"/>
+      </p:ext>
+    </p:extLst>
+  </p:cSld>
+  <p:clrMapOvr>
+    <a:masterClrMapping/>
+  </p:clrMapOvr>
+</p:notes>
+</file>
+
+<file path=ppt/notesSlides/notesSlide2.xml><?xml version="1.0" encoding="utf-8"?>
+<p:notes xmlns:a="http://schemas.openxmlformats.org/drawingml/2006/main" xmlns:r="http://schemas.openxmlformats.org/officeDocument/2006/relationships" xmlns:p="http://schemas.openxmlformats.org/presentationml/2006/main">
+  <p:cSld>
+    <p:spTree>
+      <p:nvGrpSpPr>
+        <p:cNvPr id="1" name=""/>
+        <p:cNvGrpSpPr/>
+        <p:nvPr/>
+      </p:nvGrpSpPr>
+      <p:grpSpPr>
+        <a:xfrm>
+          <a:off x="0" y="0"/>
+          <a:ext cx="0" cy="0"/>
+          <a:chOff x="0" y="0"/>
+          <a:chExt cx="0" cy="0"/>
+        </a:xfrm>
+      </p:grpSpPr>
+      <p:sp>
+        <p:nvSpPr>
+          <p:cNvPr id="2" name="Slide Image Placeholder 1"/>
+          <p:cNvSpPr>
+            <a:spLocks noGrp="1" noRot="1" noChangeAspect="1"/>
+          </p:cNvSpPr>
+          <p:nvPr>
+            <p:ph type="sldImg"/>
+          </p:nvPr>
+        </p:nvSpPr>
+        <p:spPr/>
+      </p:sp>
+      <p:sp>
+        <p:nvSpPr>
+          <p:cNvPr id="3" name="Notes Placeholder 2"/>
+          <p:cNvSpPr>
+            <a:spLocks noGrp="1"/>
+          </p:cNvSpPr>
+          <p:nvPr>
+            <p:ph type="body" idx="1"/>
+          </p:nvPr>
+        </p:nvSpPr>
+        <p:spPr/>
+        <p:txBody>
+          <a:bodyPr/>
+          <a:lstStyle/>
+          <a:p>
+            <a:r>
+              <a:rPr lang="en-US" dirty="0" smtClean="0"/>
+              <a:t>The idea of giving a rating to tutors</a:t>
+            </a:r>
+            <a:r>
+              <a:rPr lang="en-US" baseline="0" dirty="0" smtClean="0"/>
+              <a:t> is to provide the students with an idea of how reliable an answer is.</a:t>
+            </a:r>
+          </a:p>
+          <a:p>
+            <a:endParaRPr lang="en-US" baseline="0" dirty="0" smtClean="0"/>
+          </a:p>
+          <a:p>
+            <a:r>
+              <a:rPr lang="en-US" baseline="0" dirty="0" smtClean="0"/>
+              <a:t>Tutor will provide location information, so if a students keep getting good answers from the same tutor, and thinks it will be a good idea to get a tutor appointment, the student can go look if the tutor lives close and sent him and email. </a:t>
+            </a:r>
+          </a:p>
+          <a:p>
+            <a:r>
+              <a:rPr lang="en-US" baseline="0" dirty="0" smtClean="0"/>
+              <a:t>The same way a student can look for tutors close to their location and get some a list of tutors possibilities and their contacts information.</a:t>
+            </a:r>
+            <a:endParaRPr lang="en-US" dirty="0"/>
+          </a:p>
+        </p:txBody>
+      </p:sp>
+      <p:sp>
+        <p:nvSpPr>
+          <p:cNvPr id="4" name="Slide Number Placeholder 3"/>
+          <p:cNvSpPr>
+            <a:spLocks noGrp="1"/>
+          </p:cNvSpPr>
+          <p:nvPr>
+            <p:ph type="sldNum" sz="quarter" idx="10"/>
+          </p:nvPr>
+        </p:nvSpPr>
+        <p:spPr/>
+        <p:txBody>
+          <a:bodyPr/>
+          <a:lstStyle/>
+          <a:p>
+            <a:fld id="{0F8DD2E9-88FF-4844-AE33-AFFDA72390CE}" type="slidenum">
+              <a:rPr lang="en-US" smtClean="0"/>
+              <a:t>11</a:t>
             </a:fld>
             <a:endParaRPr lang="en-US" dirty="0"/>
           </a:p>
@@ -2117,7 +2231,7 @@
             <a:fld id="{8ACDB3CC-F982-40F9-8DD6-BCC9AFBF44BD}" type="datetime1">
               <a:rPr lang="en-US" smtClean="0"/>
               <a:pPr/>
-              <a:t>9/14/2013</a:t>
+              <a:t>9/15/2013</a:t>
             </a:fld>
             <a:endParaRPr lang="en-US" dirty="0"/>
           </a:p>
@@ -3222,7 +3336,7 @@
           <a:p>
             <a:fld id="{E631EDC5-C1A1-7F47-A4AF-CDC7D9CFA916}" type="datetimeFigureOut">
               <a:rPr lang="en-US" smtClean="0"/>
-              <a:t>9/14/2013</a:t>
+              <a:t>9/15/2013</a:t>
             </a:fld>
             <a:endParaRPr lang="en-US" dirty="0"/>
           </a:p>
@@ -4335,7 +4449,7 @@
           <a:p>
             <a:fld id="{E631EDC5-C1A1-7F47-A4AF-CDC7D9CFA916}" type="datetimeFigureOut">
               <a:rPr lang="en-US" smtClean="0"/>
-              <a:t>9/14/2013</a:t>
+              <a:t>9/15/2013</a:t>
             </a:fld>
             <a:endParaRPr lang="en-US" dirty="0"/>
           </a:p>
@@ -5443,7 +5557,7 @@
           <a:p>
             <a:fld id="{E631EDC5-C1A1-7F47-A4AF-CDC7D9CFA916}" type="datetimeFigureOut">
               <a:rPr lang="en-US" smtClean="0"/>
-              <a:t>9/14/2013</a:t>
+              <a:t>9/15/2013</a:t>
             </a:fld>
             <a:endParaRPr lang="en-US" dirty="0"/>
           </a:p>
@@ -7037,7 +7151,7 @@
             <a:fld id="{64DDAE5B-B07C-441A-8026-C23A427A74DC}" type="datetime1">
               <a:rPr lang="en-US" smtClean="0"/>
               <a:pPr/>
-              <a:t>9/14/2013</a:t>
+              <a:t>9/15/2013</a:t>
             </a:fld>
             <a:endParaRPr lang="en-US" dirty="0"/>
           </a:p>
@@ -8096,7 +8210,7 @@
           <a:p>
             <a:fld id="{E631EDC5-C1A1-7F47-A4AF-CDC7D9CFA916}" type="datetimeFigureOut">
               <a:rPr lang="en-US" smtClean="0"/>
-              <a:t>9/14/2013</a:t>
+              <a:t>9/15/2013</a:t>
             </a:fld>
             <a:endParaRPr lang="en-US" dirty="0"/>
           </a:p>
@@ -9423,7 +9537,7 @@
           <a:p>
             <a:fld id="{E631EDC5-C1A1-7F47-A4AF-CDC7D9CFA916}" type="datetimeFigureOut">
               <a:rPr lang="en-US" smtClean="0"/>
-              <a:t>9/14/2013</a:t>
+              <a:t>9/15/2013</a:t>
             </a:fld>
             <a:endParaRPr lang="en-US" dirty="0"/>
           </a:p>
@@ -10560,7 +10674,7 @@
           <a:p>
             <a:fld id="{E631EDC5-C1A1-7F47-A4AF-CDC7D9CFA916}" type="datetimeFigureOut">
               <a:rPr lang="en-US" smtClean="0"/>
-              <a:t>9/14/2013</a:t>
+              <a:t>9/15/2013</a:t>
             </a:fld>
             <a:endParaRPr lang="en-US" dirty="0"/>
           </a:p>
@@ -11616,7 +11730,7 @@
           <a:p>
             <a:fld id="{E631EDC5-C1A1-7F47-A4AF-CDC7D9CFA916}" type="datetimeFigureOut">
               <a:rPr lang="en-US" smtClean="0"/>
-              <a:t>9/14/2013</a:t>
+              <a:t>9/15/2013</a:t>
             </a:fld>
             <a:endParaRPr lang="en-US" dirty="0"/>
           </a:p>
@@ -12654,7 +12768,7 @@
           <a:p>
             <a:fld id="{E631EDC5-C1A1-7F47-A4AF-CDC7D9CFA916}" type="datetimeFigureOut">
               <a:rPr lang="en-US" smtClean="0"/>
-              <a:t>9/14/2013</a:t>
+              <a:t>9/15/2013</a:t>
             </a:fld>
             <a:endParaRPr lang="en-US" dirty="0"/>
           </a:p>
@@ -13890,7 +14004,7 @@
           <a:p>
             <a:fld id="{E631EDC5-C1A1-7F47-A4AF-CDC7D9CFA916}" type="datetimeFigureOut">
               <a:rPr lang="en-US" smtClean="0"/>
-              <a:t>9/14/2013</a:t>
+              <a:t>9/15/2013</a:t>
             </a:fld>
             <a:endParaRPr lang="en-US" dirty="0"/>
           </a:p>
@@ -14243,7 +14357,7 @@
           <a:p>
             <a:fld id="{E631EDC5-C1A1-7F47-A4AF-CDC7D9CFA916}" type="datetimeFigureOut">
               <a:rPr lang="en-US" smtClean="0"/>
-              <a:t>9/14/2013</a:t>
+              <a:t>9/15/2013</a:t>
             </a:fld>
             <a:endParaRPr lang="en-US" dirty="0"/>
           </a:p>
@@ -14821,6 +14935,282 @@
       </p:grpSpPr>
       <p:sp>
         <p:nvSpPr>
+          <p:cNvPr id="3" name="Title 2"/>
+          <p:cNvSpPr>
+            <a:spLocks noGrp="1"/>
+          </p:cNvSpPr>
+          <p:nvPr>
+            <p:ph type="title"/>
+          </p:nvPr>
+        </p:nvSpPr>
+        <p:spPr/>
+        <p:txBody>
+          <a:bodyPr/>
+          <a:lstStyle/>
+          <a:p>
+            <a:r>
+              <a:rPr lang="en-US" dirty="0" smtClean="0"/>
+              <a:t>Product Features  version 1.0</a:t>
+            </a:r>
+            <a:endParaRPr lang="en-US" dirty="0"/>
+          </a:p>
+        </p:txBody>
+      </p:sp>
+      <p:sp>
+        <p:nvSpPr>
+          <p:cNvPr id="2" name="Content Placeholder 1"/>
+          <p:cNvSpPr>
+            <a:spLocks noGrp="1"/>
+          </p:cNvSpPr>
+          <p:nvPr>
+            <p:ph idx="1"/>
+          </p:nvPr>
+        </p:nvSpPr>
+        <p:spPr>
+          <a:xfrm>
+            <a:off x="685800" y="1540201"/>
+            <a:ext cx="7772400" cy="4375230"/>
+          </a:xfrm>
+        </p:spPr>
+        <p:txBody>
+          <a:bodyPr>
+            <a:normAutofit/>
+          </a:bodyPr>
+          <a:lstStyle/>
+          <a:p>
+            <a:pPr>
+              <a:lnSpc>
+                <a:spcPct val="150000"/>
+              </a:lnSpc>
+            </a:pPr>
+            <a:r>
+              <a:rPr lang="en-US" sz="2400" dirty="0" smtClean="0"/>
+              <a:t>Students</a:t>
+            </a:r>
+            <a:r>
+              <a:rPr lang="es-ES" sz="2400" dirty="0" smtClean="0"/>
+              <a:t> will have accounts and </a:t>
+            </a:r>
+            <a:r>
+              <a:rPr lang="en-US" sz="2400" dirty="0" smtClean="0"/>
+              <a:t>be able to ask questions by uploading:</a:t>
+            </a:r>
+          </a:p>
+          <a:p>
+            <a:pPr lvl="1"/>
+            <a:r>
+              <a:rPr lang="en-US" sz="2000" dirty="0"/>
+              <a:t>A</a:t>
+            </a:r>
+            <a:r>
+              <a:rPr lang="en-US" sz="2000" dirty="0" smtClean="0"/>
+              <a:t> picture</a:t>
+            </a:r>
+          </a:p>
+          <a:p>
+            <a:pPr lvl="1"/>
+            <a:r>
+              <a:rPr lang="en-US" sz="2000" dirty="0" smtClean="0"/>
+              <a:t>A category to which the question belongs</a:t>
+            </a:r>
+          </a:p>
+          <a:p>
+            <a:pPr lvl="1"/>
+            <a:r>
+              <a:rPr lang="en-US" sz="2000" dirty="0" smtClean="0"/>
+              <a:t>An optional description of the question</a:t>
+            </a:r>
+          </a:p>
+          <a:p>
+            <a:r>
+              <a:rPr lang="en-US" sz="2400" dirty="0" smtClean="0"/>
+              <a:t>Answerers will have accounts and be able to answer questions through text.</a:t>
+            </a:r>
+          </a:p>
+          <a:p>
+            <a:r>
+              <a:rPr lang="en-US" sz="2400" dirty="0"/>
+              <a:t>A</a:t>
+            </a:r>
+            <a:r>
+              <a:rPr lang="en-US" sz="2400" dirty="0" smtClean="0"/>
+              <a:t>nswerer will have a publicly viewable rating.</a:t>
+            </a:r>
+            <a:endParaRPr lang="en-US" sz="2400" dirty="0"/>
+          </a:p>
+          <a:p>
+            <a:endParaRPr lang="en-US" dirty="0" smtClean="0"/>
+          </a:p>
+          <a:p>
+            <a:endParaRPr lang="en-US" dirty="0" smtClean="0"/>
+          </a:p>
+        </p:txBody>
+      </p:sp>
+    </p:spTree>
+    <p:extLst>
+      <p:ext uri="{BB962C8B-B14F-4D97-AF65-F5344CB8AC3E}">
+        <p14:creationId xmlns:p14="http://schemas.microsoft.com/office/powerpoint/2010/main" val="760875694"/>
+      </p:ext>
+    </p:extLst>
+  </p:cSld>
+  <p:clrMapOvr>
+    <a:masterClrMapping/>
+  </p:clrMapOvr>
+  <mc:AlternateContent xmlns:mc="http://schemas.openxmlformats.org/markup-compatibility/2006" xmlns:p14="http://schemas.microsoft.com/office/powerpoint/2010/main">
+    <mc:Choice Requires="p14">
+      <p:transition spd="slow" p14:dur="2000"/>
+    </mc:Choice>
+    <mc:Fallback xmlns="">
+      <p:transition xmlns:p14="http://schemas.microsoft.com/office/powerpoint/2010/main" spd="slow"/>
+    </mc:Fallback>
+  </mc:AlternateContent>
+</p:sld>
+</file>
+
+<file path=ppt/slides/slide11.xml><?xml version="1.0" encoding="utf-8"?>
+<p:sld xmlns:a="http://schemas.openxmlformats.org/drawingml/2006/main" xmlns:r="http://schemas.openxmlformats.org/officeDocument/2006/relationships" xmlns:p="http://schemas.openxmlformats.org/presentationml/2006/main">
+  <p:cSld>
+    <p:spTree>
+      <p:nvGrpSpPr>
+        <p:cNvPr id="1" name=""/>
+        <p:cNvGrpSpPr/>
+        <p:nvPr/>
+      </p:nvGrpSpPr>
+      <p:grpSpPr>
+        <a:xfrm>
+          <a:off x="0" y="0"/>
+          <a:ext cx="0" cy="0"/>
+          <a:chOff x="0" y="0"/>
+          <a:chExt cx="0" cy="0"/>
+        </a:xfrm>
+      </p:grpSpPr>
+      <p:sp>
+        <p:nvSpPr>
+          <p:cNvPr id="2" name="Title 1"/>
+          <p:cNvSpPr>
+            <a:spLocks noGrp="1"/>
+          </p:cNvSpPr>
+          <p:nvPr>
+            <p:ph type="title"/>
+          </p:nvPr>
+        </p:nvSpPr>
+        <p:spPr>
+          <a:xfrm>
+            <a:off x="685800" y="274956"/>
+            <a:ext cx="7772400" cy="1143000"/>
+          </a:xfrm>
+        </p:spPr>
+        <p:txBody>
+          <a:bodyPr/>
+          <a:lstStyle/>
+          <a:p>
+            <a:r>
+              <a:rPr lang="en-US" dirty="0" smtClean="0"/>
+              <a:t>PRODUCT FEATURES  version 1.0</a:t>
+            </a:r>
+            <a:endParaRPr lang="en-US" dirty="0"/>
+          </a:p>
+        </p:txBody>
+      </p:sp>
+      <p:sp>
+        <p:nvSpPr>
+          <p:cNvPr id="3" name="Content Placeholder 2"/>
+          <p:cNvSpPr>
+            <a:spLocks noGrp="1"/>
+          </p:cNvSpPr>
+          <p:nvPr>
+            <p:ph idx="1"/>
+          </p:nvPr>
+        </p:nvSpPr>
+        <p:spPr>
+          <a:xfrm>
+            <a:off x="685800" y="1885419"/>
+            <a:ext cx="7772400" cy="4221865"/>
+          </a:xfrm>
+        </p:spPr>
+        <p:txBody>
+          <a:bodyPr>
+            <a:normAutofit/>
+          </a:bodyPr>
+          <a:lstStyle/>
+          <a:p>
+            <a:pPr>
+              <a:lnSpc>
+                <a:spcPct val="150000"/>
+              </a:lnSpc>
+            </a:pPr>
+            <a:r>
+              <a:rPr lang="en-US" sz="2400" dirty="0" smtClean="0"/>
+              <a:t>Students </a:t>
+            </a:r>
+            <a:r>
+              <a:rPr lang="en-US" sz="2400" dirty="0"/>
+              <a:t>will be able to rate the </a:t>
+            </a:r>
+            <a:r>
+              <a:rPr lang="en-US" sz="2400" dirty="0" smtClean="0"/>
+              <a:t>answers.  </a:t>
+            </a:r>
+          </a:p>
+          <a:p>
+            <a:pPr lvl="1"/>
+            <a:r>
+              <a:rPr lang="en-US" sz="2000" dirty="0" smtClean="0"/>
+              <a:t>Answerer rating will be calculated from average of their answer rankings and total number of questions answered. </a:t>
+            </a:r>
+            <a:endParaRPr lang="en-US" sz="2000" dirty="0"/>
+          </a:p>
+          <a:p>
+            <a:r>
+              <a:rPr lang="en-US" sz="2400" dirty="0" smtClean="0"/>
+              <a:t>Students will be able to search for answerers who live nearby.</a:t>
+            </a:r>
+            <a:endParaRPr lang="en-US" sz="2400" dirty="0"/>
+          </a:p>
+          <a:p>
+            <a:r>
+              <a:rPr lang="en-US" sz="2400" dirty="0" smtClean="0"/>
+              <a:t>Students will have access to their own Q&amp;A history.</a:t>
+            </a:r>
+            <a:endParaRPr lang="en-US" sz="2400" dirty="0"/>
+          </a:p>
+          <a:p>
+            <a:endParaRPr lang="en-US" dirty="0"/>
+          </a:p>
+        </p:txBody>
+      </p:sp>
+    </p:spTree>
+    <p:extLst>
+      <p:ext uri="{BB962C8B-B14F-4D97-AF65-F5344CB8AC3E}">
+        <p14:creationId xmlns:p14="http://schemas.microsoft.com/office/powerpoint/2010/main" val="457308372"/>
+      </p:ext>
+    </p:extLst>
+  </p:cSld>
+  <p:clrMapOvr>
+    <a:masterClrMapping/>
+  </p:clrMapOvr>
+</p:sld>
+</file>
+
+<file path=ppt/slides/slide12.xml><?xml version="1.0" encoding="utf-8"?>
+<p:sld xmlns:a="http://schemas.openxmlformats.org/drawingml/2006/main" xmlns:r="http://schemas.openxmlformats.org/officeDocument/2006/relationships" xmlns:p="http://schemas.openxmlformats.org/presentationml/2006/main">
+  <p:cSld>
+    <p:spTree>
+      <p:nvGrpSpPr>
+        <p:cNvPr id="1" name=""/>
+        <p:cNvGrpSpPr/>
+        <p:nvPr/>
+      </p:nvGrpSpPr>
+      <p:grpSpPr>
+        <a:xfrm>
+          <a:off x="0" y="0"/>
+          <a:ext cx="0" cy="0"/>
+          <a:chOff x="0" y="0"/>
+          <a:chExt cx="0" cy="0"/>
+        </a:xfrm>
+      </p:grpSpPr>
+      <p:sp>
+        <p:nvSpPr>
           <p:cNvPr id="2" name="Title 1"/>
           <p:cNvSpPr>
             <a:spLocks noGrp="1"/>
@@ -14932,7 +15322,7 @@
 </p:sld>
 </file>
 
-<file path=ppt/slides/slide11.xml><?xml version="1.0" encoding="utf-8"?>
+<file path=ppt/slides/slide13.xml><?xml version="1.0" encoding="utf-8"?>
 <p:sld xmlns:a="http://schemas.openxmlformats.org/drawingml/2006/main" xmlns:r="http://schemas.openxmlformats.org/officeDocument/2006/relationships" xmlns:p="http://schemas.openxmlformats.org/presentationml/2006/main">
   <p:cSld>
     <p:spTree>
@@ -15079,7 +15469,7 @@
 </p:sld>
 </file>
 
-<file path=ppt/slides/slide12.xml><?xml version="1.0" encoding="utf-8"?>
+<file path=ppt/slides/slide14.xml><?xml version="1.0" encoding="utf-8"?>
 <p:sld xmlns:a="http://schemas.openxmlformats.org/drawingml/2006/main" xmlns:r="http://schemas.openxmlformats.org/officeDocument/2006/relationships" xmlns:p="http://schemas.openxmlformats.org/presentationml/2006/main">
   <p:cSld>
     <p:spTree>
@@ -15259,8 +15649,13 @@
           <a:p>
             <a:r>
               <a:rPr lang="en-US" sz="2800" dirty="0" smtClean="0"/>
-              <a:t>Raymond Martin				Database/GUI</a:t>
-            </a:r>
+              <a:t>Raymond Martin				</a:t>
+            </a:r>
+            <a:r>
+              <a:rPr lang="en-US" sz="2800" dirty="0" smtClean="0"/>
+              <a:t>Database/GUI </a:t>
+            </a:r>
+            <a:endParaRPr lang="en-US" sz="2800" dirty="0" smtClean="0"/>
           </a:p>
           <a:p>
             <a:r>
@@ -15856,6 +16251,162 @@
       </p:grpSpPr>
       <p:sp>
         <p:nvSpPr>
+          <p:cNvPr id="2" name="Title 1"/>
+          <p:cNvSpPr>
+            <a:spLocks noGrp="1"/>
+          </p:cNvSpPr>
+          <p:nvPr>
+            <p:ph type="title"/>
+          </p:nvPr>
+        </p:nvSpPr>
+        <p:spPr/>
+        <p:txBody>
+          <a:bodyPr/>
+          <a:lstStyle/>
+          <a:p>
+            <a:endParaRPr lang="en-US"/>
+          </a:p>
+        </p:txBody>
+      </p:sp>
+      <p:pic>
+        <p:nvPicPr>
+          <p:cNvPr id="4" name="Content Placeholder 3"/>
+          <p:cNvPicPr>
+            <a:picLocks noGrp="1" noChangeAspect="1"/>
+          </p:cNvPicPr>
+          <p:nvPr>
+            <p:ph idx="1"/>
+          </p:nvPr>
+        </p:nvPicPr>
+        <p:blipFill>
+          <a:blip r:embed="rId2">
+            <a:extLst>
+              <a:ext uri="{28A0092B-C50C-407E-A947-70E740481C1C}">
+                <a14:useLocalDpi xmlns:a14="http://schemas.microsoft.com/office/drawing/2010/main" val="0"/>
+              </a:ext>
+            </a:extLst>
+          </a:blip>
+          <a:stretch>
+            <a:fillRect/>
+          </a:stretch>
+        </p:blipFill>
+        <p:spPr>
+          <a:xfrm>
+            <a:off x="0" y="1"/>
+            <a:ext cx="9144000" cy="6858000"/>
+          </a:xfrm>
+        </p:spPr>
+      </p:pic>
+    </p:spTree>
+    <p:extLst>
+      <p:ext uri="{BB962C8B-B14F-4D97-AF65-F5344CB8AC3E}">
+        <p14:creationId xmlns:p14="http://schemas.microsoft.com/office/powerpoint/2010/main" val="1734389755"/>
+      </p:ext>
+    </p:extLst>
+  </p:cSld>
+  <p:clrMapOvr>
+    <a:masterClrMapping/>
+  </p:clrMapOvr>
+</p:sld>
+</file>
+
+<file path=ppt/slides/slide7.xml><?xml version="1.0" encoding="utf-8"?>
+<p:sld xmlns:a="http://schemas.openxmlformats.org/drawingml/2006/main" xmlns:r="http://schemas.openxmlformats.org/officeDocument/2006/relationships" xmlns:p="http://schemas.openxmlformats.org/presentationml/2006/main">
+  <p:cSld>
+    <p:spTree>
+      <p:nvGrpSpPr>
+        <p:cNvPr id="1" name=""/>
+        <p:cNvGrpSpPr/>
+        <p:nvPr/>
+      </p:nvGrpSpPr>
+      <p:grpSpPr>
+        <a:xfrm>
+          <a:off x="0" y="0"/>
+          <a:ext cx="0" cy="0"/>
+          <a:chOff x="0" y="0"/>
+          <a:chExt cx="0" cy="0"/>
+        </a:xfrm>
+      </p:grpSpPr>
+      <p:sp>
+        <p:nvSpPr>
+          <p:cNvPr id="2" name="Title 1"/>
+          <p:cNvSpPr>
+            <a:spLocks noGrp="1"/>
+          </p:cNvSpPr>
+          <p:nvPr>
+            <p:ph type="title"/>
+          </p:nvPr>
+        </p:nvSpPr>
+        <p:spPr/>
+        <p:txBody>
+          <a:bodyPr/>
+          <a:lstStyle/>
+          <a:p>
+            <a:endParaRPr lang="en-US"/>
+          </a:p>
+        </p:txBody>
+      </p:sp>
+      <p:pic>
+        <p:nvPicPr>
+          <p:cNvPr id="4" name="Content Placeholder 3"/>
+          <p:cNvPicPr>
+            <a:picLocks noGrp="1" noChangeAspect="1"/>
+          </p:cNvPicPr>
+          <p:nvPr>
+            <p:ph idx="1"/>
+          </p:nvPr>
+        </p:nvPicPr>
+        <p:blipFill>
+          <a:blip r:embed="rId2">
+            <a:extLst>
+              <a:ext uri="{28A0092B-C50C-407E-A947-70E740481C1C}">
+                <a14:useLocalDpi xmlns:a14="http://schemas.microsoft.com/office/drawing/2010/main" val="0"/>
+              </a:ext>
+            </a:extLst>
+          </a:blip>
+          <a:stretch>
+            <a:fillRect/>
+          </a:stretch>
+        </p:blipFill>
+        <p:spPr>
+          <a:xfrm>
+            <a:off x="0" y="87283"/>
+            <a:ext cx="9143999" cy="6770717"/>
+          </a:xfrm>
+        </p:spPr>
+      </p:pic>
+    </p:spTree>
+    <p:extLst>
+      <p:ext uri="{BB962C8B-B14F-4D97-AF65-F5344CB8AC3E}">
+        <p14:creationId xmlns:p14="http://schemas.microsoft.com/office/powerpoint/2010/main" val="2677537978"/>
+      </p:ext>
+    </p:extLst>
+  </p:cSld>
+  <p:clrMapOvr>
+    <a:masterClrMapping/>
+  </p:clrMapOvr>
+</p:sld>
+</file>
+
+<file path=ppt/slides/slide8.xml><?xml version="1.0" encoding="utf-8"?>
+<p:sld xmlns:a="http://schemas.openxmlformats.org/drawingml/2006/main" xmlns:r="http://schemas.openxmlformats.org/officeDocument/2006/relationships" xmlns:p="http://schemas.openxmlformats.org/presentationml/2006/main">
+  <p:cSld>
+    <p:spTree>
+      <p:nvGrpSpPr>
+        <p:cNvPr id="1" name=""/>
+        <p:cNvGrpSpPr/>
+        <p:nvPr/>
+      </p:nvGrpSpPr>
+      <p:grpSpPr>
+        <a:xfrm>
+          <a:off x="0" y="0"/>
+          <a:ext cx="0" cy="0"/>
+          <a:chOff x="0" y="0"/>
+          <a:chExt cx="0" cy="0"/>
+        </a:xfrm>
+      </p:grpSpPr>
+      <p:sp>
+        <p:nvSpPr>
           <p:cNvPr id="3" name="Title 2"/>
           <p:cNvSpPr>
             <a:spLocks noGrp="1"/>
@@ -16037,7 +16588,7 @@
 </p:sld>
 </file>
 
-<file path=ppt/slides/slide7.xml><?xml version="1.0" encoding="utf-8"?>
+<file path=ppt/slides/slide9.xml><?xml version="1.0" encoding="utf-8"?>
 <p:sld xmlns:a="http://schemas.openxmlformats.org/drawingml/2006/main" xmlns:r="http://schemas.openxmlformats.org/officeDocument/2006/relationships" xmlns:p="http://schemas.openxmlformats.org/presentationml/2006/main">
   <p:cSld>
     <p:spTree>
@@ -16206,287 +16757,6 @@
       <p:transition xmlns:p14="http://schemas.microsoft.com/office/powerpoint/2010/main" spd="slow"/>
     </mc:Fallback>
   </mc:AlternateContent>
-</p:sld>
-</file>
-
-<file path=ppt/slides/slide8.xml><?xml version="1.0" encoding="utf-8"?>
-<p:sld xmlns:a="http://schemas.openxmlformats.org/drawingml/2006/main" xmlns:r="http://schemas.openxmlformats.org/officeDocument/2006/relationships" xmlns:p="http://schemas.openxmlformats.org/presentationml/2006/main">
-  <p:cSld>
-    <p:spTree>
-      <p:nvGrpSpPr>
-        <p:cNvPr id="1" name=""/>
-        <p:cNvGrpSpPr/>
-        <p:nvPr/>
-      </p:nvGrpSpPr>
-      <p:grpSpPr>
-        <a:xfrm>
-          <a:off x="0" y="0"/>
-          <a:ext cx="0" cy="0"/>
-          <a:chOff x="0" y="0"/>
-          <a:chExt cx="0" cy="0"/>
-        </a:xfrm>
-      </p:grpSpPr>
-      <p:sp>
-        <p:nvSpPr>
-          <p:cNvPr id="3" name="Title 2"/>
-          <p:cNvSpPr>
-            <a:spLocks noGrp="1"/>
-          </p:cNvSpPr>
-          <p:nvPr>
-            <p:ph type="title"/>
-          </p:nvPr>
-        </p:nvSpPr>
-        <p:spPr/>
-        <p:txBody>
-          <a:bodyPr/>
-          <a:lstStyle/>
-          <a:p>
-            <a:r>
-              <a:rPr lang="en-US" dirty="0" smtClean="0"/>
-              <a:t>Product Features  version 1.0</a:t>
-            </a:r>
-            <a:endParaRPr lang="en-US" dirty="0"/>
-          </a:p>
-        </p:txBody>
-      </p:sp>
-      <p:sp>
-        <p:nvSpPr>
-          <p:cNvPr id="2" name="Content Placeholder 1"/>
-          <p:cNvSpPr>
-            <a:spLocks noGrp="1"/>
-          </p:cNvSpPr>
-          <p:nvPr>
-            <p:ph idx="1"/>
-          </p:nvPr>
-        </p:nvSpPr>
-        <p:spPr>
-          <a:xfrm>
-            <a:off x="685800" y="1540201"/>
-            <a:ext cx="7772400" cy="4375230"/>
-          </a:xfrm>
-        </p:spPr>
-        <p:txBody>
-          <a:bodyPr>
-            <a:normAutofit/>
-          </a:bodyPr>
-          <a:lstStyle/>
-          <a:p>
-            <a:pPr>
-              <a:lnSpc>
-                <a:spcPct val="150000"/>
-              </a:lnSpc>
-            </a:pPr>
-            <a:r>
-              <a:rPr lang="en-US" sz="2400" dirty="0" smtClean="0"/>
-              <a:t>Students</a:t>
-            </a:r>
-            <a:r>
-              <a:rPr lang="es-ES" sz="2400" dirty="0" smtClean="0"/>
-              <a:t> will have accounts and </a:t>
-            </a:r>
-            <a:r>
-              <a:rPr lang="en-US" sz="2400" dirty="0" smtClean="0"/>
-              <a:t>be able to ask questions by uploading:</a:t>
-            </a:r>
-          </a:p>
-          <a:p>
-            <a:pPr lvl="1"/>
-            <a:r>
-              <a:rPr lang="en-US" sz="2000" dirty="0"/>
-              <a:t>A</a:t>
-            </a:r>
-            <a:r>
-              <a:rPr lang="en-US" sz="2000" dirty="0" smtClean="0"/>
-              <a:t> picture</a:t>
-            </a:r>
-          </a:p>
-          <a:p>
-            <a:pPr lvl="1"/>
-            <a:r>
-              <a:rPr lang="en-US" sz="2000" dirty="0" smtClean="0"/>
-              <a:t>A category to which the question belongs</a:t>
-            </a:r>
-          </a:p>
-          <a:p>
-            <a:pPr lvl="1"/>
-            <a:r>
-              <a:rPr lang="en-US" sz="2000" dirty="0" smtClean="0"/>
-              <a:t>An optional description of the </a:t>
-            </a:r>
-            <a:r>
-              <a:rPr lang="en-US" sz="2000" dirty="0" smtClean="0"/>
-              <a:t>question</a:t>
-            </a:r>
-            <a:endParaRPr lang="en-US" sz="2000" dirty="0" smtClean="0"/>
-          </a:p>
-          <a:p>
-            <a:r>
-              <a:rPr lang="en-US" sz="2400" dirty="0" smtClean="0"/>
-              <a:t>Answerers will have accounts and be able to answer questions through text.</a:t>
-            </a:r>
-          </a:p>
-          <a:p>
-            <a:r>
-              <a:rPr lang="en-US" sz="2400" dirty="0"/>
-              <a:t>A</a:t>
-            </a:r>
-            <a:r>
-              <a:rPr lang="en-US" sz="2400" dirty="0" smtClean="0"/>
-              <a:t>nswerer will have a publicly viewable rating.</a:t>
-            </a:r>
-            <a:endParaRPr lang="en-US" sz="2400" dirty="0"/>
-          </a:p>
-          <a:p>
-            <a:endParaRPr lang="en-US" dirty="0" smtClean="0"/>
-          </a:p>
-          <a:p>
-            <a:endParaRPr lang="en-US" dirty="0" smtClean="0"/>
-          </a:p>
-        </p:txBody>
-      </p:sp>
-    </p:spTree>
-    <p:extLst>
-      <p:ext uri="{BB962C8B-B14F-4D97-AF65-F5344CB8AC3E}">
-        <p14:creationId xmlns:p14="http://schemas.microsoft.com/office/powerpoint/2010/main" val="760875694"/>
-      </p:ext>
-    </p:extLst>
-  </p:cSld>
-  <p:clrMapOvr>
-    <a:masterClrMapping/>
-  </p:clrMapOvr>
-  <mc:AlternateContent xmlns:mc="http://schemas.openxmlformats.org/markup-compatibility/2006" xmlns:p14="http://schemas.microsoft.com/office/powerpoint/2010/main">
-    <mc:Choice Requires="p14">
-      <p:transition spd="slow" p14:dur="2000"/>
-    </mc:Choice>
-    <mc:Fallback xmlns="">
-      <p:transition xmlns:p14="http://schemas.microsoft.com/office/powerpoint/2010/main" spd="slow"/>
-    </mc:Fallback>
-  </mc:AlternateContent>
-</p:sld>
-</file>
-
-<file path=ppt/slides/slide9.xml><?xml version="1.0" encoding="utf-8"?>
-<p:sld xmlns:a="http://schemas.openxmlformats.org/drawingml/2006/main" xmlns:r="http://schemas.openxmlformats.org/officeDocument/2006/relationships" xmlns:p="http://schemas.openxmlformats.org/presentationml/2006/main">
-  <p:cSld>
-    <p:spTree>
-      <p:nvGrpSpPr>
-        <p:cNvPr id="1" name=""/>
-        <p:cNvGrpSpPr/>
-        <p:nvPr/>
-      </p:nvGrpSpPr>
-      <p:grpSpPr>
-        <a:xfrm>
-          <a:off x="0" y="0"/>
-          <a:ext cx="0" cy="0"/>
-          <a:chOff x="0" y="0"/>
-          <a:chExt cx="0" cy="0"/>
-        </a:xfrm>
-      </p:grpSpPr>
-      <p:sp>
-        <p:nvSpPr>
-          <p:cNvPr id="2" name="Title 1"/>
-          <p:cNvSpPr>
-            <a:spLocks noGrp="1"/>
-          </p:cNvSpPr>
-          <p:nvPr>
-            <p:ph type="title"/>
-          </p:nvPr>
-        </p:nvSpPr>
-        <p:spPr>
-          <a:xfrm>
-            <a:off x="685800" y="274956"/>
-            <a:ext cx="7772400" cy="1143000"/>
-          </a:xfrm>
-        </p:spPr>
-        <p:txBody>
-          <a:bodyPr/>
-          <a:lstStyle/>
-          <a:p>
-            <a:r>
-              <a:rPr lang="en-US" dirty="0" smtClean="0"/>
-              <a:t>PRODUCT FEATURES  version 1.0</a:t>
-            </a:r>
-            <a:endParaRPr lang="en-US" dirty="0"/>
-          </a:p>
-        </p:txBody>
-      </p:sp>
-      <p:sp>
-        <p:nvSpPr>
-          <p:cNvPr id="3" name="Content Placeholder 2"/>
-          <p:cNvSpPr>
-            <a:spLocks noGrp="1"/>
-          </p:cNvSpPr>
-          <p:nvPr>
-            <p:ph idx="1"/>
-          </p:nvPr>
-        </p:nvSpPr>
-        <p:spPr>
-          <a:xfrm>
-            <a:off x="685800" y="1885419"/>
-            <a:ext cx="7772400" cy="4221865"/>
-          </a:xfrm>
-        </p:spPr>
-        <p:txBody>
-          <a:bodyPr>
-            <a:normAutofit/>
-          </a:bodyPr>
-          <a:lstStyle/>
-          <a:p>
-            <a:pPr>
-              <a:lnSpc>
-                <a:spcPct val="150000"/>
-              </a:lnSpc>
-            </a:pPr>
-            <a:r>
-              <a:rPr lang="en-US" sz="2400" dirty="0" smtClean="0"/>
-              <a:t>Students </a:t>
-            </a:r>
-            <a:r>
-              <a:rPr lang="en-US" sz="2400" dirty="0"/>
-              <a:t>will be able to rate the </a:t>
-            </a:r>
-            <a:r>
-              <a:rPr lang="en-US" sz="2400" dirty="0" smtClean="0"/>
-              <a:t>answers.  </a:t>
-            </a:r>
-          </a:p>
-          <a:p>
-            <a:pPr lvl="1"/>
-            <a:r>
-              <a:rPr lang="en-US" sz="2000" dirty="0" smtClean="0"/>
-              <a:t>Answerer rating will be calculated from average of their answer rankings and total number of questions answered. </a:t>
-            </a:r>
-            <a:endParaRPr lang="en-US" sz="2000" dirty="0"/>
-          </a:p>
-          <a:p>
-            <a:r>
-              <a:rPr lang="en-US" sz="2400" dirty="0" smtClean="0"/>
-              <a:t>Students will be able to search for answerers who live nearby.</a:t>
-            </a:r>
-            <a:endParaRPr lang="en-US" sz="2400" dirty="0"/>
-          </a:p>
-          <a:p>
-            <a:r>
-              <a:rPr lang="en-US" sz="2400" dirty="0" smtClean="0"/>
-              <a:t>Students will have access to their own Q&amp;A history.</a:t>
-            </a:r>
-            <a:endParaRPr lang="en-US" sz="2400" dirty="0"/>
-          </a:p>
-          <a:p>
-            <a:endParaRPr lang="en-US" dirty="0"/>
-          </a:p>
-        </p:txBody>
-      </p:sp>
-    </p:spTree>
-    <p:extLst>
-      <p:ext uri="{BB962C8B-B14F-4D97-AF65-F5344CB8AC3E}">
-        <p14:creationId xmlns:p14="http://schemas.microsoft.com/office/powerpoint/2010/main" val="457308372"/>
-      </p:ext>
-    </p:extLst>
-  </p:cSld>
-  <p:clrMapOvr>
-    <a:masterClrMapping/>
-  </p:clrMapOvr>
 </p:sld>
 </file>
 

--- a/Proposal_Concise.pptx
+++ b/Proposal_Concise.pptx
@@ -205,7 +205,7 @@
           <a:p>
             <a:fld id="{165DDFF0-975E-4A92-891F-989DC9045C85}" type="datetimeFigureOut">
               <a:rPr lang="en-US" smtClean="0"/>
-              <a:t>9/15/2013</a:t>
+              <a:t>9/15/13</a:t>
             </a:fld>
             <a:endParaRPr lang="en-US" dirty="0"/>
           </a:p>
@@ -2231,7 +2231,7 @@
             <a:fld id="{8ACDB3CC-F982-40F9-8DD6-BCC9AFBF44BD}" type="datetime1">
               <a:rPr lang="en-US" smtClean="0"/>
               <a:pPr/>
-              <a:t>9/15/2013</a:t>
+              <a:t>9/15/13</a:t>
             </a:fld>
             <a:endParaRPr lang="en-US" dirty="0"/>
           </a:p>
@@ -3336,7 +3336,7 @@
           <a:p>
             <a:fld id="{E631EDC5-C1A1-7F47-A4AF-CDC7D9CFA916}" type="datetimeFigureOut">
               <a:rPr lang="en-US" smtClean="0"/>
-              <a:t>9/15/2013</a:t>
+              <a:t>9/15/13</a:t>
             </a:fld>
             <a:endParaRPr lang="en-US" dirty="0"/>
           </a:p>
@@ -4449,7 +4449,7 @@
           <a:p>
             <a:fld id="{E631EDC5-C1A1-7F47-A4AF-CDC7D9CFA916}" type="datetimeFigureOut">
               <a:rPr lang="en-US" smtClean="0"/>
-              <a:t>9/15/2013</a:t>
+              <a:t>9/15/13</a:t>
             </a:fld>
             <a:endParaRPr lang="en-US" dirty="0"/>
           </a:p>
@@ -5557,7 +5557,7 @@
           <a:p>
             <a:fld id="{E631EDC5-C1A1-7F47-A4AF-CDC7D9CFA916}" type="datetimeFigureOut">
               <a:rPr lang="en-US" smtClean="0"/>
-              <a:t>9/15/2013</a:t>
+              <a:t>9/15/13</a:t>
             </a:fld>
             <a:endParaRPr lang="en-US" dirty="0"/>
           </a:p>
@@ -7151,7 +7151,7 @@
             <a:fld id="{64DDAE5B-B07C-441A-8026-C23A427A74DC}" type="datetime1">
               <a:rPr lang="en-US" smtClean="0"/>
               <a:pPr/>
-              <a:t>9/15/2013</a:t>
+              <a:t>9/15/13</a:t>
             </a:fld>
             <a:endParaRPr lang="en-US" dirty="0"/>
           </a:p>
@@ -8210,7 +8210,7 @@
           <a:p>
             <a:fld id="{E631EDC5-C1A1-7F47-A4AF-CDC7D9CFA916}" type="datetimeFigureOut">
               <a:rPr lang="en-US" smtClean="0"/>
-              <a:t>9/15/2013</a:t>
+              <a:t>9/15/13</a:t>
             </a:fld>
             <a:endParaRPr lang="en-US" dirty="0"/>
           </a:p>
@@ -9537,7 +9537,7 @@
           <a:p>
             <a:fld id="{E631EDC5-C1A1-7F47-A4AF-CDC7D9CFA916}" type="datetimeFigureOut">
               <a:rPr lang="en-US" smtClean="0"/>
-              <a:t>9/15/2013</a:t>
+              <a:t>9/15/13</a:t>
             </a:fld>
             <a:endParaRPr lang="en-US" dirty="0"/>
           </a:p>
@@ -10674,7 +10674,7 @@
           <a:p>
             <a:fld id="{E631EDC5-C1A1-7F47-A4AF-CDC7D9CFA916}" type="datetimeFigureOut">
               <a:rPr lang="en-US" smtClean="0"/>
-              <a:t>9/15/2013</a:t>
+              <a:t>9/15/13</a:t>
             </a:fld>
             <a:endParaRPr lang="en-US" dirty="0"/>
           </a:p>
@@ -11730,7 +11730,7 @@
           <a:p>
             <a:fld id="{E631EDC5-C1A1-7F47-A4AF-CDC7D9CFA916}" type="datetimeFigureOut">
               <a:rPr lang="en-US" smtClean="0"/>
-              <a:t>9/15/2013</a:t>
+              <a:t>9/15/13</a:t>
             </a:fld>
             <a:endParaRPr lang="en-US" dirty="0"/>
           </a:p>
@@ -12768,7 +12768,7 @@
           <a:p>
             <a:fld id="{E631EDC5-C1A1-7F47-A4AF-CDC7D9CFA916}" type="datetimeFigureOut">
               <a:rPr lang="en-US" smtClean="0"/>
-              <a:t>9/15/2013</a:t>
+              <a:t>9/15/13</a:t>
             </a:fld>
             <a:endParaRPr lang="en-US" dirty="0"/>
           </a:p>
@@ -14004,7 +14004,7 @@
           <a:p>
             <a:fld id="{E631EDC5-C1A1-7F47-A4AF-CDC7D9CFA916}" type="datetimeFigureOut">
               <a:rPr lang="en-US" smtClean="0"/>
-              <a:t>9/15/2013</a:t>
+              <a:t>9/15/13</a:t>
             </a:fld>
             <a:endParaRPr lang="en-US" dirty="0"/>
           </a:p>
@@ -14357,7 +14357,7 @@
           <a:p>
             <a:fld id="{E631EDC5-C1A1-7F47-A4AF-CDC7D9CFA916}" type="datetimeFigureOut">
               <a:rPr lang="en-US" smtClean="0"/>
-              <a:t>9/15/2013</a:t>
+              <a:t>9/15/13</a:t>
             </a:fld>
             <a:endParaRPr lang="en-US" dirty="0"/>
           </a:p>
@@ -14993,7 +14993,15 @@
             </a:r>
             <a:r>
               <a:rPr lang="en-US" sz="2400" dirty="0" smtClean="0"/>
-              <a:t>be able to ask questions by uploading:</a:t>
+              <a:t>be able to ask questions </a:t>
+            </a:r>
+            <a:r>
+              <a:rPr lang="en-US" sz="2400" dirty="0" smtClean="0"/>
+              <a:t>by uploading</a:t>
+            </a:r>
+            <a:r>
+              <a:rPr lang="en-US" sz="2400" dirty="0" smtClean="0"/>
+              <a:t>:</a:t>
             </a:r>
           </a:p>
           <a:p>
@@ -15649,13 +15657,8 @@
           <a:p>
             <a:r>
               <a:rPr lang="en-US" sz="2800" dirty="0" smtClean="0"/>
-              <a:t>Raymond Martin				</a:t>
-            </a:r>
-            <a:r>
-              <a:rPr lang="en-US" sz="2800" dirty="0" smtClean="0"/>
-              <a:t>Database/GUI </a:t>
-            </a:r>
-            <a:endParaRPr lang="en-US" sz="2800" dirty="0" smtClean="0"/>
+              <a:t>Raymond Martin				Database/GUI </a:t>
+            </a:r>
           </a:p>
           <a:p>
             <a:r>
